--- a/Game/Card/Server/Http/HttpAgent.pptx
+++ b/Game/Card/Server/Http/HttpAgent.pptx
@@ -5,18 +5,17 @@
     <p:sldMasterId id="2147483660" r:id="rId1"/>
   </p:sldMasterIdLst>
   <p:sldIdLst>
-    <p:sldId id="256" r:id="rId2"/>
-    <p:sldId id="258" r:id="rId3"/>
-    <p:sldId id="257" r:id="rId4"/>
-    <p:sldId id="259" r:id="rId5"/>
-    <p:sldId id="260" r:id="rId6"/>
-    <p:sldId id="261" r:id="rId7"/>
-    <p:sldId id="262" r:id="rId8"/>
-    <p:sldId id="263" r:id="rId9"/>
-    <p:sldId id="267" r:id="rId10"/>
-    <p:sldId id="264" r:id="rId11"/>
-    <p:sldId id="265" r:id="rId12"/>
-    <p:sldId id="266" r:id="rId13"/>
+    <p:sldId id="258" r:id="rId2"/>
+    <p:sldId id="257" r:id="rId3"/>
+    <p:sldId id="259" r:id="rId4"/>
+    <p:sldId id="260" r:id="rId5"/>
+    <p:sldId id="261" r:id="rId6"/>
+    <p:sldId id="262" r:id="rId7"/>
+    <p:sldId id="263" r:id="rId8"/>
+    <p:sldId id="267" r:id="rId9"/>
+    <p:sldId id="264" r:id="rId10"/>
+    <p:sldId id="265" r:id="rId11"/>
+    <p:sldId id="266" r:id="rId12"/>
   </p:sldIdLst>
   <p:sldSz cx="9144000" cy="6858000" type="screen4x3"/>
   <p:notesSz cx="6858000" cy="9144000"/>
@@ -115,6 +114,22 @@
       </a:defRPr>
     </a:lvl9pPr>
   </p:defaultTextStyle>
+  <p:extLst>
+    <p:ext uri="{EFAFB233-063F-42B5-8137-9DF3F51BA10A}">
+      <p15:sldGuideLst xmlns:p15="http://schemas.microsoft.com/office/powerpoint/2012/main">
+        <p15:guide id="1" orient="horz" pos="2160">
+          <p15:clr>
+            <a:srgbClr val="A4A3A4"/>
+          </p15:clr>
+        </p15:guide>
+        <p15:guide id="2" pos="2880">
+          <p15:clr>
+            <a:srgbClr val="A4A3A4"/>
+          </p15:clr>
+        </p15:guide>
+      </p15:sldGuideLst>
+    </p:ext>
+  </p:extLst>
 </p:presentation>
 </file>
 
@@ -310,7 +325,7 @@
           <a:p>
             <a:fld id="{530820CF-B880-4189-942D-D702A7CBA730}" type="datetimeFigureOut">
               <a:rPr lang="zh-CN" altLang="en-US" smtClean="0"/>
-              <a:t>2017/1/19</a:t>
+              <a:t>2018/7/6</a:t>
             </a:fld>
             <a:endParaRPr lang="zh-CN" altLang="en-US"/>
           </a:p>
@@ -475,7 +490,7 @@
           <a:p>
             <a:fld id="{530820CF-B880-4189-942D-D702A7CBA730}" type="datetimeFigureOut">
               <a:rPr lang="zh-CN" altLang="en-US" smtClean="0"/>
-              <a:t>2017/1/19</a:t>
+              <a:t>2018/7/6</a:t>
             </a:fld>
             <a:endParaRPr lang="zh-CN" altLang="en-US"/>
           </a:p>
@@ -650,7 +665,7 @@
           <a:p>
             <a:fld id="{530820CF-B880-4189-942D-D702A7CBA730}" type="datetimeFigureOut">
               <a:rPr lang="zh-CN" altLang="en-US" smtClean="0"/>
-              <a:t>2017/1/19</a:t>
+              <a:t>2018/7/6</a:t>
             </a:fld>
             <a:endParaRPr lang="zh-CN" altLang="en-US"/>
           </a:p>
@@ -833,7 +848,7 @@
           <a:p>
             <a:fld id="{530820CF-B880-4189-942D-D702A7CBA730}" type="datetimeFigureOut">
               <a:rPr lang="zh-CN" altLang="en-US" smtClean="0"/>
-              <a:t>2017/1/19</a:t>
+              <a:t>2018/7/6</a:t>
             </a:fld>
             <a:endParaRPr lang="zh-CN" altLang="en-US"/>
           </a:p>
@@ -1095,7 +1110,7 @@
           <a:p>
             <a:fld id="{530820CF-B880-4189-942D-D702A7CBA730}" type="datetimeFigureOut">
               <a:rPr lang="zh-CN" altLang="en-US" smtClean="0"/>
-              <a:t>2017/1/19</a:t>
+              <a:t>2018/7/6</a:t>
             </a:fld>
             <a:endParaRPr lang="zh-CN" altLang="en-US"/>
           </a:p>
@@ -1443,7 +1458,7 @@
           <a:p>
             <a:fld id="{530820CF-B880-4189-942D-D702A7CBA730}" type="datetimeFigureOut">
               <a:rPr lang="zh-CN" altLang="en-US" smtClean="0"/>
-              <a:t>2017/1/19</a:t>
+              <a:t>2018/7/6</a:t>
             </a:fld>
             <a:endParaRPr lang="zh-CN" altLang="en-US"/>
           </a:p>
@@ -1751,7 +1766,7 @@
           <a:p>
             <a:fld id="{530820CF-B880-4189-942D-D702A7CBA730}" type="datetimeFigureOut">
               <a:rPr lang="zh-CN" altLang="en-US" smtClean="0"/>
-              <a:t>2017/1/19</a:t>
+              <a:t>2018/7/6</a:t>
             </a:fld>
             <a:endParaRPr lang="zh-CN" altLang="en-US"/>
           </a:p>
@@ -1978,7 +1993,7 @@
           <a:p>
             <a:fld id="{530820CF-B880-4189-942D-D702A7CBA730}" type="datetimeFigureOut">
               <a:rPr lang="zh-CN" altLang="en-US" smtClean="0"/>
-              <a:t>2017/1/19</a:t>
+              <a:t>2018/7/6</a:t>
             </a:fld>
             <a:endParaRPr lang="zh-CN" altLang="en-US"/>
           </a:p>
@@ -2068,7 +2083,7 @@
           <a:p>
             <a:fld id="{530820CF-B880-4189-942D-D702A7CBA730}" type="datetimeFigureOut">
               <a:rPr lang="zh-CN" altLang="en-US" smtClean="0"/>
-              <a:t>2017/1/19</a:t>
+              <a:t>2018/7/6</a:t>
             </a:fld>
             <a:endParaRPr lang="zh-CN" altLang="en-US"/>
           </a:p>
@@ -2356,7 +2371,7 @@
           <a:p>
             <a:fld id="{530820CF-B880-4189-942D-D702A7CBA730}" type="datetimeFigureOut">
               <a:rPr lang="zh-CN" altLang="en-US" smtClean="0"/>
-              <a:t>2017/1/19</a:t>
+              <a:t>2018/7/6</a:t>
             </a:fld>
             <a:endParaRPr lang="zh-CN" altLang="en-US"/>
           </a:p>
@@ -2625,7 +2640,7 @@
           <a:p>
             <a:fld id="{530820CF-B880-4189-942D-D702A7CBA730}" type="datetimeFigureOut">
               <a:rPr lang="zh-CN" altLang="en-US" smtClean="0"/>
-              <a:t>2017/1/19</a:t>
+              <a:t>2018/7/6</a:t>
             </a:fld>
             <a:endParaRPr lang="zh-CN" altLang="en-US"/>
           </a:p>
@@ -2835,7 +2850,7 @@
           <a:p>
             <a:fld id="{530820CF-B880-4189-942D-D702A7CBA730}" type="datetimeFigureOut">
               <a:rPr lang="zh-CN" altLang="en-US" smtClean="0"/>
-              <a:t>2017/1/19</a:t>
+              <a:t>2018/7/6</a:t>
             </a:fld>
             <a:endParaRPr lang="zh-CN" altLang="en-US"/>
           </a:p>
@@ -3355,68 +3370,6 @@
       </p:grpSpPr>
       <p:sp>
         <p:nvSpPr>
-          <p:cNvPr id="2" name="标题 1"/>
-          <p:cNvSpPr>
-            <a:spLocks noGrp="1"/>
-          </p:cNvSpPr>
-          <p:nvPr>
-            <p:ph type="ctrTitle"/>
-          </p:nvPr>
-        </p:nvSpPr>
-        <p:spPr>
-          <a:xfrm>
-            <a:off x="685800" y="609601"/>
-            <a:ext cx="7772400" cy="3827511"/>
-          </a:xfrm>
-        </p:spPr>
-        <p:txBody>
-          <a:bodyPr/>
-          <a:lstStyle/>
-          <a:p>
-            <a:r>
-              <a:rPr lang="en-US" altLang="zh-CN" sz="6600" dirty="0" err="1" smtClean="0"/>
-              <a:t>HttpAgent</a:t>
-            </a:r>
-            <a:r>
-              <a:rPr lang="zh-CN" altLang="en-US" sz="6600" dirty="0" smtClean="0"/>
-              <a:t>培训</a:t>
-            </a:r>
-            <a:endParaRPr lang="zh-CN" altLang="en-US" sz="6600" dirty="0"/>
-          </a:p>
-        </p:txBody>
-      </p:sp>
-    </p:spTree>
-    <p:extLst>
-      <p:ext uri="{BB962C8B-B14F-4D97-AF65-F5344CB8AC3E}">
-        <p14:creationId xmlns:p14="http://schemas.microsoft.com/office/powerpoint/2010/main" val="4210271960"/>
-      </p:ext>
-    </p:extLst>
-  </p:cSld>
-  <p:clrMapOvr>
-    <a:masterClrMapping/>
-  </p:clrMapOvr>
-</p:sld>
-</file>
-
-<file path=ppt/slides/slide10.xml><?xml version="1.0" encoding="utf-8"?>
-<p:sld xmlns:a="http://schemas.openxmlformats.org/drawingml/2006/main" xmlns:r="http://schemas.openxmlformats.org/officeDocument/2006/relationships" xmlns:p="http://schemas.openxmlformats.org/presentationml/2006/main">
-  <p:cSld>
-    <p:spTree>
-      <p:nvGrpSpPr>
-        <p:cNvPr id="1" name=""/>
-        <p:cNvGrpSpPr/>
-        <p:nvPr/>
-      </p:nvGrpSpPr>
-      <p:grpSpPr>
-        <a:xfrm>
-          <a:off x="0" y="0"/>
-          <a:ext cx="0" cy="0"/>
-          <a:chOff x="0" y="0"/>
-          <a:chExt cx="0" cy="0"/>
-        </a:xfrm>
-      </p:grpSpPr>
-      <p:sp>
-        <p:nvSpPr>
           <p:cNvPr id="5" name="TextBox 4"/>
           <p:cNvSpPr txBox="1"/>
           <p:nvPr/>
@@ -3438,34 +3391,16 @@
           <a:lstStyle/>
           <a:p>
             <a:r>
+              <a:rPr lang="en-US" altLang="zh-CN" sz="2400" b="1" dirty="0" smtClean="0">
+                <a:latin typeface="+mn-ea"/>
+              </a:rPr>
+              <a:t>HttpAgent</a:t>
+            </a:r>
+            <a:r>
               <a:rPr lang="zh-CN" altLang="en-US" sz="2400" b="1" dirty="0" smtClean="0">
                 <a:latin typeface="+mn-ea"/>
               </a:rPr>
-              <a:t>从线程执行理解</a:t>
-            </a:r>
-            <a:r>
-              <a:rPr lang="en-US" altLang="zh-CN" sz="2400" b="1" dirty="0" err="1" smtClean="0">
-                <a:latin typeface="+mn-ea"/>
-              </a:rPr>
-              <a:t>HttpAgent</a:t>
-            </a:r>
-            <a:r>
-              <a:rPr lang="zh-CN" altLang="en-US" sz="2400" b="1" dirty="0" smtClean="0">
-                <a:latin typeface="+mn-ea"/>
-              </a:rPr>
-              <a:t>（</a:t>
-            </a:r>
-            <a:r>
-              <a:rPr lang="en-US" altLang="zh-CN" sz="2400" b="1" dirty="0" smtClean="0">
-                <a:latin typeface="+mn-ea"/>
-              </a:rPr>
-              <a:t>Routine</a:t>
-            </a:r>
-            <a:r>
-              <a:rPr lang="zh-CN" altLang="en-US" sz="2400" b="1" dirty="0" smtClean="0">
-                <a:latin typeface="+mn-ea"/>
-              </a:rPr>
-              <a:t>部分）</a:t>
+              <a:t>是什么</a:t>
             </a:r>
             <a:endParaRPr lang="zh-CN" altLang="en-US" sz="2400" b="1" dirty="0">
               <a:latin typeface="+mn-ea"/>
@@ -3482,7 +3417,7 @@
         <p:spPr>
           <a:xfrm>
             <a:off x="899592" y="1556792"/>
-            <a:ext cx="7200800" cy="1015663"/>
+            <a:ext cx="7200800" cy="2862322"/>
           </a:xfrm>
           <a:prstGeom prst="rect">
             <a:avLst/>
@@ -3496,25 +3431,53 @@
           <a:lstStyle/>
           <a:p>
             <a:r>
-              <a:rPr lang="zh-CN" altLang="en-US" sz="2000" dirty="0" smtClean="0">
-                <a:latin typeface="+mn-ea"/>
-              </a:rPr>
-              <a:t>逻辑</a:t>
-            </a:r>
-            <a:r>
-              <a:rPr lang="en-US" altLang="zh-CN" sz="2000" dirty="0" smtClean="0">
-                <a:latin typeface="+mn-ea"/>
-              </a:rPr>
-              <a:t>Routine</a:t>
-            </a:r>
-            <a:r>
-              <a:rPr lang="zh-CN" altLang="en-US" sz="2000" dirty="0" smtClean="0">
-                <a:latin typeface="+mn-ea"/>
-              </a:rPr>
-              <a:t>与</a:t>
-            </a:r>
-            <a:r>
-              <a:rPr lang="en-US" altLang="zh-CN" sz="2000" dirty="0" err="1" smtClean="0">
+              <a:rPr lang="en-US" altLang="zh-CN" sz="2000" dirty="0" smtClean="0">
+                <a:latin typeface="+mn-ea"/>
+              </a:rPr>
+              <a:t>HttpAgent</a:t>
+            </a:r>
+            <a:r>
+              <a:rPr lang="zh-CN" altLang="en-US" sz="2000" dirty="0" smtClean="0">
+                <a:latin typeface="+mn-ea"/>
+              </a:rPr>
+              <a:t>是独立的</a:t>
+            </a:r>
+            <a:r>
+              <a:rPr lang="en-US" altLang="zh-CN" sz="2000" dirty="0" smtClean="0">
+                <a:latin typeface="+mn-ea"/>
+              </a:rPr>
+              <a:t>C++</a:t>
+            </a:r>
+            <a:r>
+              <a:rPr lang="zh-CN" altLang="en-US" sz="2000" dirty="0" smtClean="0">
+                <a:latin typeface="+mn-ea"/>
+              </a:rPr>
+              <a:t>代码工程，编译生成可执行文件。</a:t>
+            </a:r>
+            <a:endParaRPr lang="en-US" altLang="zh-CN" sz="2000" dirty="0" smtClean="0">
+              <a:latin typeface="+mn-ea"/>
+            </a:endParaRPr>
+          </a:p>
+          <a:p>
+            <a:endParaRPr lang="en-US" altLang="zh-CN" sz="2000" dirty="0">
+              <a:latin typeface="+mn-ea"/>
+            </a:endParaRPr>
+          </a:p>
+          <a:p>
+            <a:r>
+              <a:rPr lang="en-US" altLang="zh-CN" sz="2000" dirty="0" smtClean="0">
+                <a:latin typeface="+mn-ea"/>
+              </a:rPr>
+              <a:t>HttpAgent</a:t>
+            </a:r>
+            <a:r>
+              <a:rPr lang="zh-CN" altLang="en-US" sz="2000" dirty="0" smtClean="0">
+                <a:latin typeface="+mn-ea"/>
+              </a:rPr>
+              <a:t>运行时与</a:t>
+            </a:r>
+            <a:r>
+              <a:rPr lang="en-US" altLang="zh-CN" sz="2000" dirty="0" smtClean="0">
                 <a:latin typeface="+mn-ea"/>
               </a:rPr>
               <a:t>GameServer</a:t>
@@ -3523,19 +3486,67 @@
               <a:rPr lang="zh-CN" altLang="en-US" sz="2000" dirty="0" smtClean="0">
                 <a:latin typeface="+mn-ea"/>
               </a:rPr>
-              <a:t>一致，以</a:t>
-            </a:r>
-            <a:r>
-              <a:rPr lang="en-US" altLang="zh-CN" sz="2000" dirty="0" smtClean="0">
-                <a:latin typeface="+mn-ea"/>
-              </a:rPr>
-              <a:t>Solar</a:t>
-            </a:r>
-            <a:r>
-              <a:rPr lang="zh-CN" altLang="en-US" sz="2000" dirty="0" smtClean="0">
-                <a:latin typeface="+mn-ea"/>
-              </a:rPr>
-              <a:t>库为基础</a:t>
+              <a:t>进程通过</a:t>
+            </a:r>
+            <a:r>
+              <a:rPr lang="en-US" altLang="zh-CN" sz="2000" dirty="0">
+                <a:latin typeface="+mn-ea"/>
+              </a:rPr>
+              <a:t>S</a:t>
+            </a:r>
+            <a:r>
+              <a:rPr lang="en-US" altLang="zh-CN" sz="2000" dirty="0" smtClean="0">
+                <a:latin typeface="+mn-ea"/>
+              </a:rPr>
+              <a:t>ocket</a:t>
+            </a:r>
+            <a:r>
+              <a:rPr lang="zh-CN" altLang="en-US" sz="2000" dirty="0">
+                <a:latin typeface="+mn-ea"/>
+              </a:rPr>
+              <a:t>通信</a:t>
+            </a:r>
+            <a:r>
+              <a:rPr lang="zh-CN" altLang="en-US" sz="2000" dirty="0" smtClean="0">
+                <a:latin typeface="+mn-ea"/>
+              </a:rPr>
+              <a:t>，为</a:t>
+            </a:r>
+            <a:r>
+              <a:rPr lang="en-US" altLang="zh-CN" sz="2000" dirty="0" smtClean="0">
+                <a:latin typeface="+mn-ea"/>
+              </a:rPr>
+              <a:t>GameServer</a:t>
+            </a:r>
+            <a:r>
+              <a:rPr lang="zh-CN" altLang="en-US" sz="2000" dirty="0" smtClean="0">
+                <a:latin typeface="+mn-ea"/>
+              </a:rPr>
+              <a:t>提供对外</a:t>
+            </a:r>
+            <a:r>
+              <a:rPr lang="en-US" altLang="zh-CN" sz="2000" dirty="0" smtClean="0">
+                <a:latin typeface="+mn-ea"/>
+              </a:rPr>
+              <a:t>HTTP</a:t>
+            </a:r>
+            <a:r>
+              <a:rPr lang="zh-CN" altLang="en-US" sz="2000" dirty="0" smtClean="0">
+                <a:latin typeface="+mn-ea"/>
+              </a:rPr>
+              <a:t>访问服务与接入</a:t>
+            </a:r>
+            <a:r>
+              <a:rPr lang="en-US" altLang="zh-CN" sz="2000" dirty="0" smtClean="0">
+                <a:latin typeface="+mn-ea"/>
+              </a:rPr>
+              <a:t>HTTP</a:t>
+            </a:r>
+            <a:r>
+              <a:rPr lang="zh-CN" altLang="en-US" sz="2000" dirty="0" smtClean="0">
+                <a:latin typeface="+mn-ea"/>
+              </a:rPr>
+              <a:t>请求能力。</a:t>
             </a:r>
             <a:endParaRPr lang="en-US" altLang="zh-CN" sz="2000" dirty="0" smtClean="0">
               <a:latin typeface="+mn-ea"/>
@@ -3551,21 +3562,103 @@
               <a:rPr lang="zh-CN" altLang="en-US" sz="2000" dirty="0" smtClean="0">
                 <a:latin typeface="+mn-ea"/>
               </a:rPr>
-              <a:t>使用</a:t>
-            </a:r>
-            <a:r>
-              <a:rPr lang="en-US" altLang="zh-CN" sz="2000" dirty="0" smtClean="0">
-                <a:latin typeface="+mn-ea"/>
-              </a:rPr>
-              <a:t>Solar</a:t>
-            </a:r>
-            <a:r>
-              <a:rPr lang="zh-CN" altLang="en-US" sz="2000" dirty="0" smtClean="0">
-                <a:latin typeface="+mn-ea"/>
-              </a:rPr>
-              <a:t>库提供的线程调度机制</a:t>
+              <a:t>直接按字面理解，</a:t>
+            </a:r>
+            <a:r>
+              <a:rPr lang="en-US" altLang="zh-CN" sz="2000" dirty="0" smtClean="0">
+                <a:latin typeface="+mn-ea"/>
+              </a:rPr>
+              <a:t>HttpAgent</a:t>
+            </a:r>
+            <a:r>
+              <a:rPr lang="zh-CN" altLang="en-US" sz="2000" dirty="0" smtClean="0">
+                <a:latin typeface="+mn-ea"/>
+              </a:rPr>
+              <a:t>是</a:t>
+            </a:r>
+            <a:r>
+              <a:rPr lang="en-US" altLang="zh-CN" sz="2000" dirty="0" smtClean="0">
+                <a:latin typeface="+mn-ea"/>
+              </a:rPr>
+              <a:t>GameServer</a:t>
+            </a:r>
+            <a:r>
+              <a:rPr lang="zh-CN" altLang="en-US" sz="2000" dirty="0" smtClean="0">
+                <a:latin typeface="+mn-ea"/>
+              </a:rPr>
+              <a:t>的</a:t>
+            </a:r>
+            <a:r>
+              <a:rPr lang="en-US" altLang="zh-CN" sz="2000" dirty="0" smtClean="0">
+                <a:latin typeface="+mn-ea"/>
+              </a:rPr>
+              <a:t>HTTP</a:t>
+            </a:r>
+            <a:r>
+              <a:rPr lang="zh-CN" altLang="en-US" sz="2000" dirty="0" smtClean="0">
+                <a:latin typeface="+mn-ea"/>
+              </a:rPr>
+              <a:t>功能代理。</a:t>
             </a:r>
             <a:endParaRPr lang="en-US" altLang="zh-CN" sz="2000" dirty="0" smtClean="0">
+              <a:latin typeface="+mn-ea"/>
+            </a:endParaRPr>
+          </a:p>
+          <a:p>
+            <a:endParaRPr lang="en-US" altLang="zh-CN" sz="2000" dirty="0">
+              <a:latin typeface="+mn-ea"/>
+            </a:endParaRPr>
+          </a:p>
+          <a:p>
+            <a:r>
+              <a:rPr lang="en-US" altLang="zh-CN" sz="2000" dirty="0" smtClean="0">
+                <a:latin typeface="+mn-ea"/>
+              </a:rPr>
+              <a:t>HttpAgent</a:t>
+            </a:r>
+            <a:r>
+              <a:rPr lang="zh-CN" altLang="en-US" sz="2000" dirty="0" smtClean="0">
+                <a:latin typeface="+mn-ea"/>
+              </a:rPr>
+              <a:t>代码基于</a:t>
+            </a:r>
+            <a:r>
+              <a:rPr lang="en-US" altLang="zh-CN" sz="2000" dirty="0" smtClean="0">
+                <a:latin typeface="+mn-ea"/>
+              </a:rPr>
+              <a:t>solar</a:t>
+            </a:r>
+            <a:r>
+              <a:rPr lang="zh-CN" altLang="en-US" sz="2000" dirty="0" smtClean="0">
+                <a:latin typeface="+mn-ea"/>
+              </a:rPr>
+              <a:t>库进行线程调度，基于</a:t>
+            </a:r>
+            <a:r>
+              <a:rPr lang="en-US" altLang="zh-CN" sz="2000" dirty="0" smtClean="0">
+                <a:latin typeface="+mn-ea"/>
+              </a:rPr>
+              <a:t>cpp-netlib</a:t>
+            </a:r>
+            <a:r>
+              <a:rPr lang="zh-CN" altLang="en-US" sz="2000" dirty="0" smtClean="0">
+                <a:latin typeface="+mn-ea"/>
+              </a:rPr>
+              <a:t>库操作</a:t>
+            </a:r>
+            <a:r>
+              <a:rPr lang="en-US" altLang="zh-CN" sz="2000" dirty="0" smtClean="0">
+                <a:latin typeface="+mn-ea"/>
+              </a:rPr>
+              <a:t>HTTP</a:t>
+            </a:r>
+            <a:r>
+              <a:rPr lang="zh-CN" altLang="en-US" sz="2000" dirty="0" smtClean="0">
+                <a:latin typeface="+mn-ea"/>
+              </a:rPr>
+              <a:t>访问与请求数据。</a:t>
+            </a:r>
+            <a:endParaRPr lang="zh-CN" altLang="en-US" sz="2000" dirty="0">
               <a:latin typeface="+mn-ea"/>
             </a:endParaRPr>
           </a:p>
@@ -3573,7 +3666,7 @@
       </p:sp>
       <p:pic>
         <p:nvPicPr>
-          <p:cNvPr id="2053" name="Picture 5"/>
+          <p:cNvPr id="1028" name="Picture 4"/>
           <p:cNvPicPr>
             <a:picLocks noChangeAspect="1" noChangeArrowheads="1"/>
           </p:cNvPicPr>
@@ -3594,8 +3687,8 @@
         </p:blipFill>
         <p:spPr bwMode="auto">
           <a:xfrm>
-            <a:off x="1650675" y="3284984"/>
-            <a:ext cx="5698633" cy="2520280"/>
+            <a:off x="1020155" y="4653136"/>
+            <a:ext cx="6815658" cy="1224136"/>
           </a:xfrm>
           <a:prstGeom prst="rect">
             <a:avLst/>
@@ -3628,7 +3721,7 @@
     </p:spTree>
     <p:extLst>
       <p:ext uri="{BB962C8B-B14F-4D97-AF65-F5344CB8AC3E}">
-        <p14:creationId xmlns:p14="http://schemas.microsoft.com/office/powerpoint/2010/main" val="2881417195"/>
+        <p14:creationId xmlns:p14="http://schemas.microsoft.com/office/powerpoint/2010/main" val="3930074730"/>
       </p:ext>
     </p:extLst>
   </p:cSld>
@@ -3638,7 +3731,7 @@
 </p:sld>
 </file>
 
-<file path=ppt/slides/slide11.xml><?xml version="1.0" encoding="utf-8"?>
+<file path=ppt/slides/slide10.xml><?xml version="1.0" encoding="utf-8"?>
 <p:sld xmlns:a="http://schemas.openxmlformats.org/drawingml/2006/main" xmlns:r="http://schemas.openxmlformats.org/officeDocument/2006/relationships" xmlns:p="http://schemas.openxmlformats.org/presentationml/2006/main">
   <p:cSld>
     <p:spTree>
@@ -3886,7 +3979,7 @@
 </p:sld>
 </file>
 
-<file path=ppt/slides/slide12.xml><?xml version="1.0" encoding="utf-8"?>
+<file path=ppt/slides/slide11.xml><?xml version="1.0" encoding="utf-8"?>
 <p:sld xmlns:a="http://schemas.openxmlformats.org/drawingml/2006/main" xmlns:r="http://schemas.openxmlformats.org/officeDocument/2006/relationships" xmlns:p="http://schemas.openxmlformats.org/presentationml/2006/main">
   <p:cSld>
     <p:spTree>
@@ -4150,16 +4243,16 @@
           <a:lstStyle/>
           <a:p>
             <a:r>
+              <a:rPr lang="zh-CN" altLang="en-US" sz="2400" b="1" dirty="0" smtClean="0">
+                <a:latin typeface="+mn-ea"/>
+              </a:rPr>
+              <a:t>为什么需要</a:t>
+            </a:r>
+            <a:r>
               <a:rPr lang="en-US" altLang="zh-CN" sz="2400" b="1" dirty="0" smtClean="0">
                 <a:latin typeface="+mn-ea"/>
               </a:rPr>
               <a:t>HttpAgent</a:t>
-            </a:r>
-            <a:r>
-              <a:rPr lang="zh-CN" altLang="en-US" sz="2400" b="1" dirty="0" smtClean="0">
-                <a:latin typeface="+mn-ea"/>
-              </a:rPr>
-              <a:t>是什么</a:t>
             </a:r>
             <a:endParaRPr lang="zh-CN" altLang="en-US" sz="2400" b="1" dirty="0">
               <a:latin typeface="+mn-ea"/>
@@ -4176,7 +4269,7 @@
         <p:spPr>
           <a:xfrm>
             <a:off x="899592" y="1556792"/>
-            <a:ext cx="7200800" cy="2862322"/>
+            <a:ext cx="7200800" cy="1938992"/>
           </a:xfrm>
           <a:prstGeom prst="rect">
             <a:avLst/>
@@ -4190,6 +4283,46 @@
           <a:lstStyle/>
           <a:p>
             <a:r>
+              <a:rPr lang="zh-CN" altLang="en-US" sz="2000" dirty="0" smtClean="0">
+                <a:latin typeface="+mn-ea"/>
+              </a:rPr>
+              <a:t>游戏服务器与第三方服务接入时，通常情况下需要使用</a:t>
+            </a:r>
+            <a:r>
+              <a:rPr lang="en-US" altLang="zh-CN" sz="2000" dirty="0" smtClean="0">
+                <a:latin typeface="+mn-ea"/>
+              </a:rPr>
+              <a:t>HTTP</a:t>
+            </a:r>
+            <a:r>
+              <a:rPr lang="zh-CN" altLang="en-US" sz="2000" dirty="0" smtClean="0">
+                <a:latin typeface="+mn-ea"/>
+              </a:rPr>
+              <a:t>协议通信。（通信场景包括聚合</a:t>
+            </a:r>
+            <a:r>
+              <a:rPr lang="en-US" altLang="zh-CN" sz="2000" dirty="0" smtClean="0">
+                <a:latin typeface="+mn-ea"/>
+              </a:rPr>
+              <a:t>SDK</a:t>
+            </a:r>
+            <a:r>
+              <a:rPr lang="zh-CN" altLang="en-US" sz="2000" dirty="0" smtClean="0">
+                <a:latin typeface="+mn-ea"/>
+              </a:rPr>
+              <a:t>服务器、游戏全局服务器、渠道特殊需求、官网活动服务器等等）</a:t>
+            </a:r>
+            <a:endParaRPr lang="en-US" altLang="zh-CN" sz="2000" dirty="0" smtClean="0">
+              <a:latin typeface="+mn-ea"/>
+            </a:endParaRPr>
+          </a:p>
+          <a:p>
+            <a:endParaRPr lang="en-US" altLang="zh-CN" sz="2000" dirty="0">
+              <a:latin typeface="+mn-ea"/>
+            </a:endParaRPr>
+          </a:p>
+          <a:p>
+            <a:r>
               <a:rPr lang="en-US" altLang="zh-CN" sz="2000" dirty="0" smtClean="0">
                 <a:latin typeface="+mn-ea"/>
               </a:rPr>
@@ -4199,41 +4332,7 @@
               <a:rPr lang="zh-CN" altLang="en-US" sz="2000" dirty="0" smtClean="0">
                 <a:latin typeface="+mn-ea"/>
               </a:rPr>
-              <a:t>是独立的</a:t>
-            </a:r>
-            <a:r>
-              <a:rPr lang="en-US" altLang="zh-CN" sz="2000" dirty="0" smtClean="0">
-                <a:latin typeface="+mn-ea"/>
-              </a:rPr>
-              <a:t>C++</a:t>
-            </a:r>
-            <a:r>
-              <a:rPr lang="zh-CN" altLang="en-US" sz="2000" dirty="0" smtClean="0">
-                <a:latin typeface="+mn-ea"/>
-              </a:rPr>
-              <a:t>代码工程，编译生成可执行文件。</a:t>
-            </a:r>
-            <a:endParaRPr lang="en-US" altLang="zh-CN" sz="2000" dirty="0" smtClean="0">
-              <a:latin typeface="+mn-ea"/>
-            </a:endParaRPr>
-          </a:p>
-          <a:p>
-            <a:endParaRPr lang="en-US" altLang="zh-CN" sz="2000" dirty="0">
-              <a:latin typeface="+mn-ea"/>
-            </a:endParaRPr>
-          </a:p>
-          <a:p>
-            <a:r>
-              <a:rPr lang="en-US" altLang="zh-CN" sz="2000" dirty="0" smtClean="0">
-                <a:latin typeface="+mn-ea"/>
-              </a:rPr>
-              <a:t>HttpAgent</a:t>
-            </a:r>
-            <a:r>
-              <a:rPr lang="zh-CN" altLang="en-US" sz="2000" dirty="0" smtClean="0">
-                <a:latin typeface="+mn-ea"/>
-              </a:rPr>
-              <a:t>运行时与</a:t>
+              <a:t>进程为</a:t>
             </a:r>
             <a:r>
               <a:rPr lang="en-US" altLang="zh-CN" sz="2000" dirty="0" smtClean="0">
@@ -4245,43 +4344,7 @@
               <a:rPr lang="zh-CN" altLang="en-US" sz="2000" dirty="0" smtClean="0">
                 <a:latin typeface="+mn-ea"/>
               </a:rPr>
-              <a:t>进程通过</a:t>
-            </a:r>
-            <a:r>
-              <a:rPr lang="en-US" altLang="zh-CN" sz="2000" dirty="0">
-                <a:latin typeface="+mn-ea"/>
-              </a:rPr>
-              <a:t>S</a:t>
-            </a:r>
-            <a:r>
-              <a:rPr lang="en-US" altLang="zh-CN" sz="2000" dirty="0" smtClean="0">
-                <a:latin typeface="+mn-ea"/>
-              </a:rPr>
-              <a:t>ocket</a:t>
-            </a:r>
-            <a:r>
-              <a:rPr lang="zh-CN" altLang="en-US" sz="2000" dirty="0">
-                <a:latin typeface="+mn-ea"/>
-              </a:rPr>
-              <a:t>通信</a:t>
-            </a:r>
-            <a:r>
-              <a:rPr lang="zh-CN" altLang="en-US" sz="2000" dirty="0" smtClean="0">
-                <a:latin typeface="+mn-ea"/>
-              </a:rPr>
-              <a:t>，为</a:t>
-            </a:r>
-            <a:r>
-              <a:rPr lang="en-US" altLang="zh-CN" sz="2000" dirty="0" smtClean="0">
-                <a:latin typeface="+mn-ea"/>
-              </a:rPr>
-              <a:t>GameServer</a:t>
-            </a:r>
-            <a:r>
-              <a:rPr lang="zh-CN" altLang="en-US" sz="2000" dirty="0" smtClean="0">
-                <a:latin typeface="+mn-ea"/>
-              </a:rPr>
-              <a:t>提供对外</a:t>
+              <a:t>进程提供了必须的</a:t>
             </a:r>
             <a:r>
               <a:rPr lang="en-US" altLang="zh-CN" sz="2000" dirty="0" smtClean="0">
@@ -4293,141 +4356,7 @@
               <a:rPr lang="zh-CN" altLang="en-US" sz="2000" dirty="0" smtClean="0">
                 <a:latin typeface="+mn-ea"/>
               </a:rPr>
-              <a:t>访问服务与接入</a:t>
-            </a:r>
-            <a:r>
-              <a:rPr lang="en-US" altLang="zh-CN" sz="2000" dirty="0" smtClean="0">
-                <a:latin typeface="+mn-ea"/>
-              </a:rPr>
-              <a:t>HTTP</a:t>
-            </a:r>
-            <a:r>
-              <a:rPr lang="zh-CN" altLang="en-US" sz="2000" dirty="0" smtClean="0">
-                <a:latin typeface="+mn-ea"/>
-              </a:rPr>
-              <a:t>请求能力</a:t>
-            </a:r>
-            <a:r>
-              <a:rPr lang="zh-CN" altLang="en-US" sz="2000" dirty="0" smtClean="0">
-                <a:latin typeface="+mn-ea"/>
-              </a:rPr>
-              <a:t>。</a:t>
-            </a:r>
-            <a:endParaRPr lang="en-US" altLang="zh-CN" sz="2000" dirty="0" smtClean="0">
-              <a:latin typeface="+mn-ea"/>
-            </a:endParaRPr>
-          </a:p>
-          <a:p>
-            <a:endParaRPr lang="en-US" altLang="zh-CN" sz="2000" dirty="0">
-              <a:latin typeface="+mn-ea"/>
-            </a:endParaRPr>
-          </a:p>
-          <a:p>
-            <a:r>
-              <a:rPr lang="zh-CN" altLang="en-US" sz="2000" dirty="0" smtClean="0">
-                <a:latin typeface="+mn-ea"/>
-              </a:rPr>
-              <a:t>直接</a:t>
-            </a:r>
-            <a:r>
-              <a:rPr lang="zh-CN" altLang="en-US" sz="2000" dirty="0" smtClean="0">
-                <a:latin typeface="+mn-ea"/>
-              </a:rPr>
-              <a:t>按字面理解，</a:t>
-            </a:r>
-            <a:r>
-              <a:rPr lang="en-US" altLang="zh-CN" sz="2000" dirty="0" smtClean="0">
-                <a:latin typeface="+mn-ea"/>
-              </a:rPr>
-              <a:t>HttpAgent</a:t>
-            </a:r>
-            <a:r>
-              <a:rPr lang="zh-CN" altLang="en-US" sz="2000" dirty="0" smtClean="0">
-                <a:latin typeface="+mn-ea"/>
-              </a:rPr>
-              <a:t>是</a:t>
-            </a:r>
-            <a:r>
-              <a:rPr lang="en-US" altLang="zh-CN" sz="2000" dirty="0" smtClean="0">
-                <a:latin typeface="+mn-ea"/>
-              </a:rPr>
-              <a:t>GameServer</a:t>
-            </a:r>
-            <a:r>
-              <a:rPr lang="zh-CN" altLang="en-US" sz="2000" dirty="0" smtClean="0">
-                <a:latin typeface="+mn-ea"/>
-              </a:rPr>
-              <a:t>的</a:t>
-            </a:r>
-            <a:r>
-              <a:rPr lang="en-US" altLang="zh-CN" sz="2000" dirty="0" smtClean="0">
-                <a:latin typeface="+mn-ea"/>
-              </a:rPr>
-              <a:t>HTTP</a:t>
-            </a:r>
-            <a:r>
-              <a:rPr lang="zh-CN" altLang="en-US" sz="2000" dirty="0" smtClean="0">
-                <a:latin typeface="+mn-ea"/>
-              </a:rPr>
-              <a:t>功能代理。</a:t>
-            </a:r>
-            <a:endParaRPr lang="en-US" altLang="zh-CN" sz="2000" dirty="0" smtClean="0">
-              <a:latin typeface="+mn-ea"/>
-            </a:endParaRPr>
-          </a:p>
-          <a:p>
-            <a:endParaRPr lang="en-US" altLang="zh-CN" sz="2000" dirty="0">
-              <a:latin typeface="+mn-ea"/>
-            </a:endParaRPr>
-          </a:p>
-          <a:p>
-            <a:r>
-              <a:rPr lang="en-US" altLang="zh-CN" sz="2000" dirty="0" smtClean="0">
-                <a:latin typeface="+mn-ea"/>
-              </a:rPr>
-              <a:t>HttpAgent</a:t>
-            </a:r>
-            <a:r>
-              <a:rPr lang="zh-CN" altLang="en-US" sz="2000" dirty="0" smtClean="0">
-                <a:latin typeface="+mn-ea"/>
-              </a:rPr>
-              <a:t>代码基于</a:t>
-            </a:r>
-            <a:r>
-              <a:rPr lang="en-US" altLang="zh-CN" sz="2000" dirty="0" smtClean="0">
-                <a:latin typeface="+mn-ea"/>
-              </a:rPr>
-              <a:t>solar</a:t>
-            </a:r>
-            <a:r>
-              <a:rPr lang="zh-CN" altLang="en-US" sz="2000" dirty="0" smtClean="0">
-                <a:latin typeface="+mn-ea"/>
-              </a:rPr>
-              <a:t>库进行线程调度，基于</a:t>
-            </a:r>
-            <a:r>
-              <a:rPr lang="en-US" altLang="zh-CN" sz="2000" dirty="0" smtClean="0">
-                <a:latin typeface="+mn-ea"/>
-              </a:rPr>
-              <a:t>cpp-netlib</a:t>
-            </a:r>
-            <a:r>
-              <a:rPr lang="zh-CN" altLang="en-US" sz="2000" dirty="0" smtClean="0">
-                <a:latin typeface="+mn-ea"/>
-              </a:rPr>
-              <a:t>库操作</a:t>
-            </a:r>
-            <a:r>
-              <a:rPr lang="en-US" altLang="zh-CN" sz="2000" dirty="0" smtClean="0">
-                <a:latin typeface="+mn-ea"/>
-              </a:rPr>
-              <a:t>HTTP</a:t>
-            </a:r>
-            <a:r>
-              <a:rPr lang="zh-CN" altLang="en-US" sz="2000" dirty="0" smtClean="0">
-                <a:latin typeface="+mn-ea"/>
-              </a:rPr>
-              <a:t>访问与请求数据。</a:t>
+              <a:t>接入与接出能力。</a:t>
             </a:r>
             <a:endParaRPr lang="zh-CN" altLang="en-US" sz="2000" dirty="0">
               <a:latin typeface="+mn-ea"/>
@@ -4435,64 +4364,10 @@
           </a:p>
         </p:txBody>
       </p:sp>
-      <p:pic>
-        <p:nvPicPr>
-          <p:cNvPr id="1028" name="Picture 4"/>
-          <p:cNvPicPr>
-            <a:picLocks noChangeAspect="1" noChangeArrowheads="1"/>
-          </p:cNvPicPr>
-          <p:nvPr/>
-        </p:nvPicPr>
-        <p:blipFill>
-          <a:blip r:embed="rId2">
-            <a:extLst>
-              <a:ext uri="{28A0092B-C50C-407E-A947-70E740481C1C}">
-                <a14:useLocalDpi xmlns:a14="http://schemas.microsoft.com/office/drawing/2010/main" val="0"/>
-              </a:ext>
-            </a:extLst>
-          </a:blip>
-          <a:srcRect/>
-          <a:stretch>
-            <a:fillRect/>
-          </a:stretch>
-        </p:blipFill>
-        <p:spPr bwMode="auto">
-          <a:xfrm>
-            <a:off x="1020155" y="4653136"/>
-            <a:ext cx="6815658" cy="1224136"/>
-          </a:xfrm>
-          <a:prstGeom prst="rect">
-            <a:avLst/>
-          </a:prstGeom>
-          <a:noFill/>
-          <a:ln>
-            <a:noFill/>
-          </a:ln>
-          <a:extLst>
-            <a:ext uri="{909E8E84-426E-40DD-AFC4-6F175D3DCCD1}">
-              <a14:hiddenFill xmlns:a14="http://schemas.microsoft.com/office/drawing/2010/main">
-                <a:solidFill>
-                  <a:schemeClr val="accent1"/>
-                </a:solidFill>
-              </a14:hiddenFill>
-            </a:ext>
-            <a:ext uri="{91240B29-F687-4F45-9708-019B960494DF}">
-              <a14:hiddenLine xmlns:a14="http://schemas.microsoft.com/office/drawing/2010/main" w="9525">
-                <a:solidFill>
-                  <a:schemeClr val="tx1"/>
-                </a:solidFill>
-                <a:miter lim="800000"/>
-                <a:headEnd/>
-                <a:tailEnd/>
-              </a14:hiddenLine>
-            </a:ext>
-          </a:extLst>
-        </p:spPr>
-      </p:pic>
     </p:spTree>
     <p:extLst>
       <p:ext uri="{BB962C8B-B14F-4D97-AF65-F5344CB8AC3E}">
-        <p14:creationId xmlns:p14="http://schemas.microsoft.com/office/powerpoint/2010/main" val="3930074730"/>
+        <p14:creationId xmlns:p14="http://schemas.microsoft.com/office/powerpoint/2010/main" val="379308593"/>
       </p:ext>
     </p:extLst>
   </p:cSld>
@@ -4545,13 +4420,19 @@
               <a:rPr lang="zh-CN" altLang="en-US" sz="2400" b="1" dirty="0" smtClean="0">
                 <a:latin typeface="+mn-ea"/>
               </a:rPr>
-              <a:t>为什么需要</a:t>
+              <a:t>为什么将</a:t>
             </a:r>
             <a:r>
               <a:rPr lang="en-US" altLang="zh-CN" sz="2400" b="1" dirty="0" smtClean="0">
                 <a:latin typeface="+mn-ea"/>
               </a:rPr>
               <a:t>HttpAgent</a:t>
+            </a:r>
+            <a:r>
+              <a:rPr lang="zh-CN" altLang="en-US" sz="2400" b="1" dirty="0" smtClean="0">
+                <a:latin typeface="+mn-ea"/>
+              </a:rPr>
+              <a:t>拆分为单独进程</a:t>
             </a:r>
             <a:endParaRPr lang="zh-CN" altLang="en-US" sz="2400" b="1" dirty="0">
               <a:latin typeface="+mn-ea"/>
@@ -4568,7 +4449,7 @@
         <p:spPr>
           <a:xfrm>
             <a:off x="899592" y="1556792"/>
-            <a:ext cx="7200800" cy="1938992"/>
+            <a:ext cx="7200800" cy="4093428"/>
           </a:xfrm>
           <a:prstGeom prst="rect">
             <a:avLst/>
@@ -4585,31 +4466,43 @@
               <a:rPr lang="zh-CN" altLang="en-US" sz="2000" dirty="0" smtClean="0">
                 <a:latin typeface="+mn-ea"/>
               </a:rPr>
-              <a:t>游戏服务器与第三方服务接入时，通常情况下需要使用</a:t>
-            </a:r>
-            <a:r>
-              <a:rPr lang="en-US" altLang="zh-CN" sz="2000" dirty="0" smtClean="0">
-                <a:latin typeface="+mn-ea"/>
-              </a:rPr>
-              <a:t>HTTP</a:t>
-            </a:r>
-            <a:r>
-              <a:rPr lang="zh-CN" altLang="en-US" sz="2000" dirty="0" smtClean="0">
-                <a:latin typeface="+mn-ea"/>
-              </a:rPr>
-              <a:t>协议通信。（通信场景包括聚合</a:t>
-            </a:r>
-            <a:r>
-              <a:rPr lang="en-US" altLang="zh-CN" sz="2000" dirty="0" smtClean="0">
-                <a:latin typeface="+mn-ea"/>
-              </a:rPr>
-              <a:t>SDK</a:t>
-            </a:r>
-            <a:r>
-              <a:rPr lang="zh-CN" altLang="en-US" sz="2000" dirty="0" smtClean="0">
-                <a:latin typeface="+mn-ea"/>
-              </a:rPr>
-              <a:t>服务器、游戏全局服务器、渠道特殊需求、官网活动服务器等等）</a:t>
+              <a:t>从逻辑上，</a:t>
+            </a:r>
+            <a:r>
+              <a:rPr lang="en-US" altLang="zh-CN" sz="2000" dirty="0" err="1" smtClean="0">
+                <a:latin typeface="+mn-ea"/>
+              </a:rPr>
+              <a:t>HttpAgent</a:t>
+            </a:r>
+            <a:r>
+              <a:rPr lang="zh-CN" altLang="en-US" sz="2000" dirty="0" smtClean="0">
+                <a:latin typeface="+mn-ea"/>
+              </a:rPr>
+              <a:t>本身并没有独立的工作模式，完全是为</a:t>
+            </a:r>
+            <a:r>
+              <a:rPr lang="en-US" altLang="zh-CN" sz="2000" dirty="0" err="1" smtClean="0">
+                <a:latin typeface="+mn-ea"/>
+              </a:rPr>
+              <a:t>GameServer</a:t>
+            </a:r>
+            <a:r>
+              <a:rPr lang="zh-CN" altLang="en-US" sz="2000" dirty="0" smtClean="0">
+                <a:latin typeface="+mn-ea"/>
+              </a:rPr>
+              <a:t>进程服务，只是将</a:t>
+            </a:r>
+            <a:r>
+              <a:rPr lang="en-US" altLang="zh-CN" sz="2000" dirty="0" err="1" smtClean="0">
+                <a:latin typeface="+mn-ea"/>
+              </a:rPr>
+              <a:t>GameServer</a:t>
+            </a:r>
+            <a:r>
+              <a:rPr lang="zh-CN" altLang="en-US" sz="2000" dirty="0" smtClean="0">
+                <a:latin typeface="+mn-ea"/>
+              </a:rPr>
+              <a:t>的一部分功能代码拆分成了单独进程，由于拆分还产生通信、逻辑等一系列成本。</a:t>
             </a:r>
             <a:endParaRPr lang="en-US" altLang="zh-CN" sz="2000" dirty="0" smtClean="0">
               <a:latin typeface="+mn-ea"/>
@@ -4622,42 +4515,116 @@
           </a:p>
           <a:p>
             <a:r>
-              <a:rPr lang="en-US" altLang="zh-CN" sz="2000" dirty="0" smtClean="0">
-                <a:latin typeface="+mn-ea"/>
-              </a:rPr>
-              <a:t>HttpAgent</a:t>
-            </a:r>
-            <a:r>
-              <a:rPr lang="zh-CN" altLang="en-US" sz="2000" dirty="0" smtClean="0">
-                <a:latin typeface="+mn-ea"/>
-              </a:rPr>
-              <a:t>进程为</a:t>
-            </a:r>
-            <a:r>
-              <a:rPr lang="en-US" altLang="zh-CN" sz="2000" dirty="0" smtClean="0">
-                <a:latin typeface="+mn-ea"/>
-              </a:rPr>
-              <a:t>GameServer</a:t>
-            </a:r>
-            <a:r>
-              <a:rPr lang="zh-CN" altLang="en-US" sz="2000" dirty="0" smtClean="0">
-                <a:latin typeface="+mn-ea"/>
-              </a:rPr>
-              <a:t>进程提供了必须的</a:t>
-            </a:r>
-            <a:r>
-              <a:rPr lang="en-US" altLang="zh-CN" sz="2000" dirty="0" smtClean="0">
-                <a:latin typeface="+mn-ea"/>
-              </a:rPr>
-              <a:t>HTTP</a:t>
-            </a:r>
-            <a:r>
-              <a:rPr lang="zh-CN" altLang="en-US" sz="2000" dirty="0" smtClean="0">
-                <a:latin typeface="+mn-ea"/>
-              </a:rPr>
-              <a:t>接入与接出能力。</a:t>
-            </a:r>
-            <a:endParaRPr lang="zh-CN" altLang="en-US" sz="2000" dirty="0">
+              <a:rPr lang="zh-CN" altLang="en-US" sz="2000" dirty="0" smtClean="0">
+                <a:latin typeface="+mn-ea"/>
+              </a:rPr>
+              <a:t>最终决定拆分的原因主要有两个</a:t>
+            </a:r>
+            <a:endParaRPr lang="en-US" altLang="zh-CN" sz="2000" dirty="0" smtClean="0">
+              <a:latin typeface="+mn-ea"/>
+            </a:endParaRPr>
+          </a:p>
+          <a:p>
+            <a:endParaRPr lang="en-US" altLang="zh-CN" sz="2000" dirty="0">
+              <a:latin typeface="+mn-ea"/>
+            </a:endParaRPr>
+          </a:p>
+          <a:p>
+            <a:r>
+              <a:rPr lang="en-US" altLang="zh-CN" sz="2000" dirty="0" smtClean="0">
+                <a:latin typeface="+mn-ea"/>
+              </a:rPr>
+              <a:t>1.HTTP</a:t>
+            </a:r>
+            <a:r>
+              <a:rPr lang="zh-CN" altLang="en-US" sz="2000" dirty="0" smtClean="0">
+                <a:latin typeface="+mn-ea"/>
+              </a:rPr>
+              <a:t>接入与接出逻辑本质上是网络</a:t>
+            </a:r>
+            <a:r>
+              <a:rPr lang="en-US" altLang="zh-CN" sz="2000" dirty="0" smtClean="0">
+                <a:latin typeface="+mn-ea"/>
+              </a:rPr>
+              <a:t>IO</a:t>
+            </a:r>
+            <a:r>
+              <a:rPr lang="zh-CN" altLang="en-US" sz="2000" dirty="0" smtClean="0">
+                <a:latin typeface="+mn-ea"/>
+              </a:rPr>
+              <a:t>操作，存在阻塞运行线程的情况，而</a:t>
+            </a:r>
+            <a:r>
+              <a:rPr lang="en-US" altLang="zh-CN" sz="2000" dirty="0" smtClean="0">
+                <a:latin typeface="+mn-ea"/>
+              </a:rPr>
+              <a:t>solar</a:t>
+            </a:r>
+            <a:r>
+              <a:rPr lang="zh-CN" altLang="en-US" sz="2000" dirty="0" smtClean="0">
+                <a:latin typeface="+mn-ea"/>
+              </a:rPr>
+              <a:t>库的调度是多逻辑</a:t>
+            </a:r>
+            <a:r>
+              <a:rPr lang="en-US" altLang="zh-CN" sz="2000" dirty="0" smtClean="0">
+                <a:latin typeface="+mn-ea"/>
+              </a:rPr>
+              <a:t>Routine</a:t>
+            </a:r>
+            <a:r>
+              <a:rPr lang="zh-CN" altLang="en-US" sz="2000" dirty="0" smtClean="0">
+                <a:latin typeface="+mn-ea"/>
+              </a:rPr>
+              <a:t>与多线程的对应关系，网络</a:t>
+            </a:r>
+            <a:r>
+              <a:rPr lang="en-US" altLang="zh-CN" sz="2000" dirty="0" smtClean="0">
+                <a:latin typeface="+mn-ea"/>
+              </a:rPr>
+              <a:t>IO</a:t>
+            </a:r>
+            <a:r>
+              <a:rPr lang="zh-CN" altLang="en-US" sz="2000" dirty="0" smtClean="0">
+                <a:latin typeface="+mn-ea"/>
+              </a:rPr>
+              <a:t>操作的阻塞会降低整个系统的负载能力。</a:t>
+            </a:r>
+            <a:endParaRPr lang="en-US" altLang="zh-CN" sz="2000" dirty="0" smtClean="0">
+              <a:latin typeface="+mn-ea"/>
+            </a:endParaRPr>
+          </a:p>
+          <a:p>
+            <a:endParaRPr lang="en-US" altLang="zh-CN" sz="2000" dirty="0">
+              <a:latin typeface="+mn-ea"/>
+            </a:endParaRPr>
+          </a:p>
+          <a:p>
+            <a:r>
+              <a:rPr lang="en-US" altLang="zh-CN" sz="2000" dirty="0" smtClean="0">
+                <a:latin typeface="+mn-ea"/>
+              </a:rPr>
+              <a:t>2.</a:t>
+            </a:r>
+            <a:r>
+              <a:rPr lang="zh-CN" altLang="en-US" sz="2000" dirty="0" smtClean="0">
+                <a:latin typeface="+mn-ea"/>
+              </a:rPr>
+              <a:t>引入了</a:t>
+            </a:r>
+            <a:r>
+              <a:rPr lang="en-US" altLang="zh-CN" sz="2000" dirty="0" err="1" smtClean="0">
+                <a:latin typeface="+mn-ea"/>
+              </a:rPr>
+              <a:t>cpp-netlib</a:t>
+            </a:r>
+            <a:r>
+              <a:rPr lang="zh-CN" altLang="en-US" sz="2000" dirty="0" smtClean="0">
+                <a:latin typeface="+mn-ea"/>
+              </a:rPr>
+              <a:t>开源库，我们并不能相信这个开源库的稳定性，研究的不一定透彻，为了规避风险，拆分也是个好的选择。</a:t>
+            </a:r>
+            <a:endParaRPr lang="en-US" altLang="zh-CN" sz="2000" dirty="0" smtClean="0">
               <a:latin typeface="+mn-ea"/>
             </a:endParaRPr>
           </a:p>
@@ -4666,7 +4633,7 @@
     </p:spTree>
     <p:extLst>
       <p:ext uri="{BB962C8B-B14F-4D97-AF65-F5344CB8AC3E}">
-        <p14:creationId xmlns:p14="http://schemas.microsoft.com/office/powerpoint/2010/main" val="379308593"/>
+        <p14:creationId xmlns:p14="http://schemas.microsoft.com/office/powerpoint/2010/main" val="174211880"/>
       </p:ext>
     </p:extLst>
   </p:cSld>
@@ -4719,19 +4686,19 @@
               <a:rPr lang="zh-CN" altLang="en-US" sz="2400" b="1" dirty="0" smtClean="0">
                 <a:latin typeface="+mn-ea"/>
               </a:rPr>
-              <a:t>为什么将</a:t>
+              <a:t>为什么使用</a:t>
             </a:r>
             <a:r>
               <a:rPr lang="en-US" altLang="zh-CN" sz="2400" b="1" dirty="0" smtClean="0">
                 <a:latin typeface="+mn-ea"/>
               </a:rPr>
-              <a:t>HttpAgent</a:t>
+              <a:t>C++</a:t>
             </a:r>
             <a:r>
               <a:rPr lang="zh-CN" altLang="en-US" sz="2400" b="1" dirty="0" smtClean="0">
                 <a:latin typeface="+mn-ea"/>
               </a:rPr>
-              <a:t>拆分为单独进程</a:t>
+              <a:t>开发</a:t>
             </a:r>
             <a:endParaRPr lang="zh-CN" altLang="en-US" sz="2400" b="1" dirty="0">
               <a:latin typeface="+mn-ea"/>
@@ -4748,7 +4715,7 @@
         <p:spPr>
           <a:xfrm>
             <a:off x="899592" y="1556792"/>
-            <a:ext cx="7200800" cy="4093428"/>
+            <a:ext cx="7200800" cy="3170099"/>
           </a:xfrm>
           <a:prstGeom prst="rect">
             <a:avLst/>
@@ -4762,12 +4729,6 @@
           <a:lstStyle/>
           <a:p>
             <a:r>
-              <a:rPr lang="zh-CN" altLang="en-US" sz="2000" dirty="0" smtClean="0">
-                <a:latin typeface="+mn-ea"/>
-              </a:rPr>
-              <a:t>从逻辑上，</a:t>
-            </a:r>
-            <a:r>
               <a:rPr lang="en-US" altLang="zh-CN" sz="2000" dirty="0" err="1" smtClean="0">
                 <a:latin typeface="+mn-ea"/>
               </a:rPr>
@@ -4777,31 +4738,43 @@
               <a:rPr lang="zh-CN" altLang="en-US" sz="2000" dirty="0" smtClean="0">
                 <a:latin typeface="+mn-ea"/>
               </a:rPr>
-              <a:t>本身并没有独立的工作模式，完全是为</a:t>
-            </a:r>
-            <a:r>
-              <a:rPr lang="en-US" altLang="zh-CN" sz="2000" dirty="0" err="1" smtClean="0">
-                <a:latin typeface="+mn-ea"/>
-              </a:rPr>
-              <a:t>GameServer</a:t>
-            </a:r>
-            <a:r>
-              <a:rPr lang="zh-CN" altLang="en-US" sz="2000" dirty="0" smtClean="0">
-                <a:latin typeface="+mn-ea"/>
-              </a:rPr>
-              <a:t>进程服务，只是将</a:t>
-            </a:r>
-            <a:r>
-              <a:rPr lang="en-US" altLang="zh-CN" sz="2000" dirty="0" err="1" smtClean="0">
-                <a:latin typeface="+mn-ea"/>
-              </a:rPr>
-              <a:t>GameServer</a:t>
-            </a:r>
-            <a:r>
-              <a:rPr lang="zh-CN" altLang="en-US" sz="2000" dirty="0" smtClean="0">
-                <a:latin typeface="+mn-ea"/>
-              </a:rPr>
-              <a:t>的一部分功能代码拆分成了单独进程，由于拆分还产生通信、逻辑等一系列成本。</a:t>
+              <a:t>开发上面临的最大问题是需要提供</a:t>
+            </a:r>
+            <a:r>
+              <a:rPr lang="en-US" altLang="zh-CN" sz="2000" dirty="0" smtClean="0">
+                <a:latin typeface="+mn-ea"/>
+              </a:rPr>
+              <a:t>Web Server</a:t>
+            </a:r>
+            <a:r>
+              <a:rPr lang="zh-CN" altLang="en-US" sz="2000" dirty="0" smtClean="0">
+                <a:latin typeface="+mn-ea"/>
+              </a:rPr>
+              <a:t>的能力，即解析第三方的</a:t>
+            </a:r>
+            <a:r>
+              <a:rPr lang="en-US" altLang="zh-CN" sz="2000" dirty="0" smtClean="0">
+                <a:latin typeface="+mn-ea"/>
+              </a:rPr>
+              <a:t>HTTP</a:t>
+            </a:r>
+            <a:r>
+              <a:rPr lang="zh-CN" altLang="en-US" sz="2000" dirty="0" smtClean="0">
+                <a:latin typeface="+mn-ea"/>
+              </a:rPr>
+              <a:t>请求并响应；对第三方发起</a:t>
+            </a:r>
+            <a:r>
+              <a:rPr lang="en-US" altLang="zh-CN" sz="2000" dirty="0" smtClean="0">
+                <a:latin typeface="+mn-ea"/>
+              </a:rPr>
+              <a:t>HTTP</a:t>
+            </a:r>
+            <a:r>
+              <a:rPr lang="zh-CN" altLang="en-US" sz="2000" dirty="0" smtClean="0">
+                <a:latin typeface="+mn-ea"/>
+              </a:rPr>
+              <a:t>请求相对比较容易实现。</a:t>
             </a:r>
             <a:endParaRPr lang="en-US" altLang="zh-CN" sz="2000" dirty="0" smtClean="0">
               <a:latin typeface="+mn-ea"/>
@@ -4817,13 +4790,79 @@
               <a:rPr lang="zh-CN" altLang="en-US" sz="2000" dirty="0" smtClean="0">
                 <a:latin typeface="+mn-ea"/>
               </a:rPr>
-              <a:t>最终决定</a:t>
-            </a:r>
-            <a:r>
-              <a:rPr lang="zh-CN" altLang="en-US" sz="2000" dirty="0" smtClean="0">
-                <a:latin typeface="+mn-ea"/>
-              </a:rPr>
-              <a:t>拆分的原因主要有两个</a:t>
+              <a:t>当前技术背景</a:t>
+            </a:r>
+            <a:r>
+              <a:rPr lang="zh-CN" altLang="en-US" sz="2000" dirty="0">
+                <a:latin typeface="+mn-ea"/>
+              </a:rPr>
+              <a:t>下，使用</a:t>
+            </a:r>
+            <a:r>
+              <a:rPr lang="en-US" altLang="zh-CN" sz="2000" dirty="0">
+                <a:latin typeface="+mn-ea"/>
+              </a:rPr>
+              <a:t>C++</a:t>
+            </a:r>
+            <a:r>
+              <a:rPr lang="zh-CN" altLang="en-US" sz="2000" dirty="0" smtClean="0">
+                <a:latin typeface="+mn-ea"/>
+              </a:rPr>
+              <a:t>开发</a:t>
+            </a:r>
+            <a:r>
+              <a:rPr lang="en-US" altLang="zh-CN" sz="2000" dirty="0" smtClean="0">
+                <a:latin typeface="+mn-ea"/>
+              </a:rPr>
+              <a:t>Web Server</a:t>
+            </a:r>
+            <a:r>
+              <a:rPr lang="zh-CN" altLang="en-US" sz="2000" dirty="0" smtClean="0">
+                <a:latin typeface="+mn-ea"/>
+              </a:rPr>
+              <a:t>并不是个合理的选择，使用一些新的语言或者技术完成同样的任务应该更好（包括不限于</a:t>
+            </a:r>
+            <a:r>
+              <a:rPr lang="en-US" altLang="zh-CN" sz="2000" dirty="0" smtClean="0">
+                <a:latin typeface="+mn-ea"/>
+              </a:rPr>
+              <a:t>Python</a:t>
+            </a:r>
+            <a:r>
+              <a:rPr lang="zh-CN" altLang="en-US" sz="2000" dirty="0" smtClean="0">
+                <a:latin typeface="+mn-ea"/>
+              </a:rPr>
+              <a:t>、</a:t>
+            </a:r>
+            <a:r>
+              <a:rPr lang="en-US" altLang="zh-CN" sz="2000" dirty="0" smtClean="0">
+                <a:latin typeface="+mn-ea"/>
+              </a:rPr>
+              <a:t>Go</a:t>
+            </a:r>
+            <a:r>
+              <a:rPr lang="zh-CN" altLang="en-US" sz="2000" dirty="0" smtClean="0">
+                <a:latin typeface="+mn-ea"/>
+              </a:rPr>
+              <a:t>、</a:t>
+            </a:r>
+            <a:r>
+              <a:rPr lang="en-US" altLang="zh-CN" sz="2000" dirty="0" smtClean="0">
+                <a:latin typeface="+mn-ea"/>
+              </a:rPr>
+              <a:t>Node</a:t>
+            </a:r>
+            <a:r>
+              <a:rPr lang="zh-CN" altLang="en-US" sz="2000" dirty="0">
+                <a:latin typeface="+mn-ea"/>
+              </a:rPr>
+              <a:t>等等</a:t>
+            </a:r>
+            <a:r>
+              <a:rPr lang="zh-CN" altLang="en-US" sz="2000" dirty="0" smtClean="0">
+                <a:latin typeface="+mn-ea"/>
+              </a:rPr>
+              <a:t>）。</a:t>
             </a:r>
             <a:endParaRPr lang="en-US" altLang="zh-CN" sz="2000" dirty="0" smtClean="0">
               <a:latin typeface="+mn-ea"/>
@@ -4836,100 +4875,36 @@
           </a:p>
           <a:p>
             <a:r>
-              <a:rPr lang="en-US" altLang="zh-CN" sz="2000" dirty="0" smtClean="0">
-                <a:latin typeface="+mn-ea"/>
-              </a:rPr>
-              <a:t>1.HTTP</a:t>
-            </a:r>
-            <a:r>
-              <a:rPr lang="zh-CN" altLang="en-US" sz="2000" dirty="0" smtClean="0">
-                <a:latin typeface="+mn-ea"/>
-              </a:rPr>
-              <a:t>接入与接出逻辑本质上是网络</a:t>
-            </a:r>
-            <a:r>
-              <a:rPr lang="en-US" altLang="zh-CN" sz="2000" dirty="0" smtClean="0">
-                <a:latin typeface="+mn-ea"/>
-              </a:rPr>
-              <a:t>IO</a:t>
-            </a:r>
-            <a:r>
-              <a:rPr lang="zh-CN" altLang="en-US" sz="2000" dirty="0" smtClean="0">
-                <a:latin typeface="+mn-ea"/>
-              </a:rPr>
-              <a:t>操作，存在阻塞运行线程的情况，而</a:t>
-            </a:r>
-            <a:r>
-              <a:rPr lang="en-US" altLang="zh-CN" sz="2000" dirty="0" smtClean="0">
-                <a:latin typeface="+mn-ea"/>
-              </a:rPr>
-              <a:t>solar</a:t>
-            </a:r>
-            <a:r>
-              <a:rPr lang="zh-CN" altLang="en-US" sz="2000" dirty="0" smtClean="0">
-                <a:latin typeface="+mn-ea"/>
-              </a:rPr>
-              <a:t>库的调度是多逻辑</a:t>
-            </a:r>
-            <a:r>
-              <a:rPr lang="en-US" altLang="zh-CN" sz="2000" dirty="0" smtClean="0">
-                <a:latin typeface="+mn-ea"/>
-              </a:rPr>
-              <a:t>Routine</a:t>
-            </a:r>
-            <a:r>
-              <a:rPr lang="zh-CN" altLang="en-US" sz="2000" dirty="0" smtClean="0">
-                <a:latin typeface="+mn-ea"/>
-              </a:rPr>
-              <a:t>与多线程的对应关系，网络</a:t>
-            </a:r>
-            <a:r>
-              <a:rPr lang="en-US" altLang="zh-CN" sz="2000" dirty="0" smtClean="0">
-                <a:latin typeface="+mn-ea"/>
-              </a:rPr>
-              <a:t>IO</a:t>
-            </a:r>
-            <a:r>
-              <a:rPr lang="zh-CN" altLang="en-US" sz="2000" dirty="0" smtClean="0">
-                <a:latin typeface="+mn-ea"/>
-              </a:rPr>
-              <a:t>操作的阻塞会降低整个系统的负载能力。</a:t>
-            </a:r>
-            <a:endParaRPr lang="en-US" altLang="zh-CN" sz="2000" dirty="0" smtClean="0">
-              <a:latin typeface="+mn-ea"/>
-            </a:endParaRPr>
-          </a:p>
-          <a:p>
-            <a:endParaRPr lang="en-US" altLang="zh-CN" sz="2000" dirty="0">
-              <a:latin typeface="+mn-ea"/>
-            </a:endParaRPr>
-          </a:p>
-          <a:p>
-            <a:r>
-              <a:rPr lang="en-US" altLang="zh-CN" sz="2000" dirty="0" smtClean="0">
-                <a:latin typeface="+mn-ea"/>
-              </a:rPr>
-              <a:t>2.</a:t>
-            </a:r>
-            <a:r>
-              <a:rPr lang="zh-CN" altLang="en-US" sz="2000" dirty="0" smtClean="0">
-                <a:latin typeface="+mn-ea"/>
-              </a:rPr>
-              <a:t>引入了</a:t>
-            </a:r>
-            <a:r>
-              <a:rPr lang="en-US" altLang="zh-CN" sz="2000" dirty="0" err="1" smtClean="0">
-                <a:latin typeface="+mn-ea"/>
-              </a:rPr>
-              <a:t>cpp-netlib</a:t>
-            </a:r>
-            <a:r>
-              <a:rPr lang="zh-CN" altLang="en-US" sz="2000" dirty="0" smtClean="0">
-                <a:latin typeface="+mn-ea"/>
-              </a:rPr>
-              <a:t>开源库，我们并不能相信这个开源库的稳定性，研究的不一定透彻，为了规避风险，拆分也是个好的选择。</a:t>
-            </a:r>
-            <a:endParaRPr lang="en-US" altLang="zh-CN" sz="2000" dirty="0" smtClean="0">
+              <a:rPr lang="zh-CN" altLang="en-US" sz="2000" dirty="0" smtClean="0">
+                <a:latin typeface="+mn-ea"/>
+              </a:rPr>
+              <a:t>最终选择</a:t>
+            </a:r>
+            <a:r>
+              <a:rPr lang="en-US" altLang="zh-CN" sz="2000" dirty="0" smtClean="0">
+                <a:latin typeface="+mn-ea"/>
+              </a:rPr>
+              <a:t>C++</a:t>
+            </a:r>
+            <a:r>
+              <a:rPr lang="zh-CN" altLang="en-US" sz="2000" dirty="0" smtClean="0">
+                <a:latin typeface="+mn-ea"/>
+              </a:rPr>
+              <a:t>的原因是考虑我们的团队的技术基因一直集中在</a:t>
+            </a:r>
+            <a:r>
+              <a:rPr lang="en-US" altLang="zh-CN" sz="2000" dirty="0" smtClean="0">
+                <a:latin typeface="+mn-ea"/>
+              </a:rPr>
+              <a:t>C++</a:t>
+            </a:r>
+            <a:r>
+              <a:rPr lang="zh-CN" altLang="en-US" sz="2000" dirty="0" smtClean="0">
+                <a:latin typeface="+mn-ea"/>
+              </a:rPr>
+              <a:t>上，后期出现诡异问题解决的成功率较高。</a:t>
+            </a:r>
+            <a:endParaRPr lang="zh-CN" altLang="en-US" sz="2000" dirty="0">
               <a:latin typeface="+mn-ea"/>
             </a:endParaRPr>
           </a:p>
@@ -4938,7 +4913,7 @@
     </p:spTree>
     <p:extLst>
       <p:ext uri="{BB962C8B-B14F-4D97-AF65-F5344CB8AC3E}">
-        <p14:creationId xmlns:p14="http://schemas.microsoft.com/office/powerpoint/2010/main" val="174211880"/>
+        <p14:creationId xmlns:p14="http://schemas.microsoft.com/office/powerpoint/2010/main" val="3351976577"/>
       </p:ext>
     </p:extLst>
   </p:cSld>
@@ -4997,13 +4972,13 @@
               <a:rPr lang="en-US" altLang="zh-CN" sz="2400" b="1" dirty="0" smtClean="0">
                 <a:latin typeface="+mn-ea"/>
               </a:rPr>
-              <a:t>C++</a:t>
+              <a:t>cpp-netlib</a:t>
             </a:r>
             <a:r>
               <a:rPr lang="zh-CN" altLang="en-US" sz="2400" b="1" dirty="0" smtClean="0">
                 <a:latin typeface="+mn-ea"/>
               </a:rPr>
-              <a:t>开发</a:t>
+              <a:t>库</a:t>
             </a:r>
             <a:endParaRPr lang="zh-CN" altLang="en-US" sz="2400" b="1" dirty="0">
               <a:latin typeface="+mn-ea"/>
@@ -5020,7 +4995,7 @@
         <p:spPr>
           <a:xfrm>
             <a:off x="899592" y="1556792"/>
-            <a:ext cx="7200800" cy="3170099"/>
+            <a:ext cx="7200800" cy="5016758"/>
           </a:xfrm>
           <a:prstGeom prst="rect">
             <a:avLst/>
@@ -5034,28 +5009,34 @@
           <a:lstStyle/>
           <a:p>
             <a:r>
-              <a:rPr lang="en-US" altLang="zh-CN" sz="2000" dirty="0" err="1" smtClean="0">
-                <a:latin typeface="+mn-ea"/>
-              </a:rPr>
-              <a:t>HttpAgent</a:t>
-            </a:r>
-            <a:r>
-              <a:rPr lang="zh-CN" altLang="en-US" sz="2000" dirty="0" smtClean="0">
-                <a:latin typeface="+mn-ea"/>
-              </a:rPr>
-              <a:t>开发上面临的最大问题是需要提供</a:t>
-            </a:r>
-            <a:r>
-              <a:rPr lang="en-US" altLang="zh-CN" sz="2000" dirty="0" smtClean="0">
-                <a:latin typeface="+mn-ea"/>
-              </a:rPr>
-              <a:t>Web Server</a:t>
-            </a:r>
-            <a:r>
-              <a:rPr lang="zh-CN" altLang="en-US" sz="2000" dirty="0" smtClean="0">
-                <a:latin typeface="+mn-ea"/>
-              </a:rPr>
-              <a:t>的能力，即解析第三方的</a:t>
+              <a:rPr lang="zh-CN" altLang="en-US" sz="2000" dirty="0" smtClean="0">
+                <a:latin typeface="+mn-ea"/>
+              </a:rPr>
+              <a:t>确定使用</a:t>
+            </a:r>
+            <a:r>
+              <a:rPr lang="en-US" altLang="zh-CN" sz="2000" dirty="0" smtClean="0">
+                <a:latin typeface="+mn-ea"/>
+              </a:rPr>
+              <a:t>C++</a:t>
+            </a:r>
+            <a:r>
+              <a:rPr lang="zh-CN" altLang="en-US" sz="2000" dirty="0" smtClean="0">
+                <a:latin typeface="+mn-ea"/>
+              </a:rPr>
+              <a:t>开发之后，我们第一想法是找个</a:t>
+            </a:r>
+            <a:r>
+              <a:rPr lang="en-US" altLang="zh-CN" sz="2000" dirty="0" smtClean="0">
+                <a:latin typeface="+mn-ea"/>
+              </a:rPr>
+              <a:t>C++</a:t>
+            </a:r>
+            <a:r>
+              <a:rPr lang="zh-CN" altLang="en-US" sz="2000" dirty="0" smtClean="0">
+                <a:latin typeface="+mn-ea"/>
+              </a:rPr>
+              <a:t>的</a:t>
             </a:r>
             <a:r>
               <a:rPr lang="en-US" altLang="zh-CN" sz="2000" dirty="0" smtClean="0">
@@ -5067,19 +5048,7 @@
               <a:rPr lang="zh-CN" altLang="en-US" sz="2000" dirty="0" smtClean="0">
                 <a:latin typeface="+mn-ea"/>
               </a:rPr>
-              <a:t>请求并响应；对第三方发起</a:t>
-            </a:r>
-            <a:r>
-              <a:rPr lang="en-US" altLang="zh-CN" sz="2000" dirty="0" smtClean="0">
-                <a:latin typeface="+mn-ea"/>
-              </a:rPr>
-              <a:t>HTTP</a:t>
-            </a:r>
-            <a:r>
-              <a:rPr lang="zh-CN" altLang="en-US" sz="2000" dirty="0" smtClean="0">
-                <a:latin typeface="+mn-ea"/>
-              </a:rPr>
-              <a:t>请求相对比较容易实现。</a:t>
+              <a:t>基础库，而并不想自己完全实现，那样费时费力并且效果可能不好。</a:t>
             </a:r>
             <a:endParaRPr lang="en-US" altLang="zh-CN" sz="2000" dirty="0" smtClean="0">
               <a:latin typeface="+mn-ea"/>
@@ -5095,119 +5064,225 @@
               <a:rPr lang="zh-CN" altLang="en-US" sz="2000" dirty="0" smtClean="0">
                 <a:latin typeface="+mn-ea"/>
               </a:rPr>
-              <a:t>当前技术背景</a:t>
+              <a:t>能够选择的库并不多，调研之后有以下三个选择：</a:t>
+            </a:r>
+            <a:endParaRPr lang="en-US" altLang="zh-CN" sz="2000" dirty="0" smtClean="0">
+              <a:latin typeface="+mn-ea"/>
+            </a:endParaRPr>
+          </a:p>
+          <a:p>
+            <a:endParaRPr lang="en-US" altLang="zh-CN" sz="2000" dirty="0">
+              <a:latin typeface="+mn-ea"/>
+            </a:endParaRPr>
+          </a:p>
+          <a:p>
+            <a:r>
+              <a:rPr lang="en-US" altLang="zh-CN" sz="2000" b="1" dirty="0" err="1" smtClean="0">
+                <a:latin typeface="+mn-ea"/>
+              </a:rPr>
+              <a:t>Libmicrohttpd</a:t>
+            </a:r>
+            <a:r>
+              <a:rPr lang="en-US" altLang="zh-CN" sz="2000" dirty="0" smtClean="0">
+                <a:latin typeface="+mn-ea"/>
+              </a:rPr>
+              <a:t> </a:t>
+            </a:r>
+            <a:r>
+              <a:rPr lang="en-US" altLang="zh-CN" sz="2000" dirty="0" smtClean="0">
+                <a:latin typeface="+mn-ea"/>
+                <a:hlinkClick r:id="rId2"/>
+              </a:rPr>
+              <a:t>https</a:t>
+            </a:r>
+            <a:r>
+              <a:rPr lang="en-US" altLang="zh-CN" sz="2000" dirty="0">
+                <a:latin typeface="+mn-ea"/>
+                <a:hlinkClick r:id="rId2"/>
+              </a:rPr>
+              <a:t>://www.gnu.org/software/libmicrohttpd</a:t>
+            </a:r>
+            <a:r>
+              <a:rPr lang="en-US" altLang="zh-CN" sz="2000" dirty="0" smtClean="0">
+                <a:latin typeface="+mn-ea"/>
+                <a:hlinkClick r:id="rId2"/>
+              </a:rPr>
+              <a:t>/</a:t>
+            </a:r>
+            <a:endParaRPr lang="en-US" altLang="zh-CN" sz="2000" dirty="0" smtClean="0">
+              <a:latin typeface="+mn-ea"/>
+            </a:endParaRPr>
+          </a:p>
+          <a:p>
+            <a:r>
+              <a:rPr lang="en-US" altLang="zh-CN" sz="2000" dirty="0" smtClean="0">
+                <a:latin typeface="+mn-ea"/>
+              </a:rPr>
+              <a:t>GNU</a:t>
+            </a:r>
+            <a:r>
+              <a:rPr lang="zh-CN" altLang="en-US" sz="2000" dirty="0" smtClean="0">
+                <a:latin typeface="+mn-ea"/>
+              </a:rPr>
+              <a:t>项目 </a:t>
+            </a:r>
+            <a:r>
+              <a:rPr lang="en-US" altLang="zh-CN" sz="2000" dirty="0" smtClean="0">
+                <a:latin typeface="+mn-ea"/>
+              </a:rPr>
+              <a:t>C</a:t>
+            </a:r>
+            <a:r>
+              <a:rPr lang="zh-CN" altLang="en-US" sz="2000" dirty="0" smtClean="0">
+                <a:latin typeface="+mn-ea"/>
+              </a:rPr>
+              <a:t>语言 精简小巧 久经考验</a:t>
+            </a:r>
+            <a:endParaRPr lang="en-US" altLang="zh-CN" sz="2000" dirty="0" smtClean="0">
+              <a:latin typeface="+mn-ea"/>
+            </a:endParaRPr>
+          </a:p>
+          <a:p>
+            <a:endParaRPr lang="en-US" altLang="zh-CN" sz="2000" dirty="0">
+              <a:latin typeface="+mn-ea"/>
+            </a:endParaRPr>
+          </a:p>
+          <a:p>
+            <a:r>
+              <a:rPr lang="en-US" altLang="zh-CN" sz="2000" b="1" dirty="0" err="1" smtClean="0">
+                <a:latin typeface="+mn-ea"/>
+              </a:rPr>
+              <a:t>Proxygen</a:t>
+            </a:r>
+            <a:endParaRPr lang="en-US" altLang="zh-CN" sz="2000" b="1" dirty="0" smtClean="0">
+              <a:latin typeface="+mn-ea"/>
+            </a:endParaRPr>
+          </a:p>
+          <a:p>
+            <a:r>
+              <a:rPr lang="en-US" altLang="zh-CN" sz="2000" dirty="0">
+                <a:latin typeface="+mn-ea"/>
+                <a:hlinkClick r:id="rId3"/>
+              </a:rPr>
+              <a:t>https://</a:t>
+            </a:r>
+            <a:r>
+              <a:rPr lang="en-US" altLang="zh-CN" sz="2000" dirty="0" smtClean="0">
+                <a:latin typeface="+mn-ea"/>
+                <a:hlinkClick r:id="rId3"/>
+              </a:rPr>
+              <a:t>github.com/facebook/proxygen</a:t>
+            </a:r>
+            <a:endParaRPr lang="en-US" altLang="zh-CN" sz="2000" dirty="0" smtClean="0">
+              <a:latin typeface="+mn-ea"/>
+            </a:endParaRPr>
+          </a:p>
+          <a:p>
+            <a:r>
+              <a:rPr lang="en-US" altLang="zh-CN" sz="2000" dirty="0" smtClean="0">
+                <a:latin typeface="+mn-ea"/>
+              </a:rPr>
+              <a:t>Facebook</a:t>
+            </a:r>
+            <a:r>
+              <a:rPr lang="zh-CN" altLang="en-US" sz="2000" dirty="0" smtClean="0">
+                <a:latin typeface="+mn-ea"/>
+              </a:rPr>
+              <a:t>开源项目 功能丰富 依赖庞大的</a:t>
+            </a:r>
+            <a:r>
+              <a:rPr lang="en-US" altLang="zh-CN" sz="2000" dirty="0" smtClean="0">
+                <a:latin typeface="+mn-ea"/>
+              </a:rPr>
+              <a:t>Facebook</a:t>
             </a:r>
             <a:r>
               <a:rPr lang="zh-CN" altLang="en-US" sz="2000" dirty="0">
                 <a:latin typeface="+mn-ea"/>
               </a:rPr>
-              <a:t>下，使用</a:t>
-            </a:r>
+              <a:t>类</a:t>
+            </a:r>
+            <a:r>
+              <a:rPr lang="zh-CN" altLang="en-US" sz="2000" dirty="0" smtClean="0">
+                <a:latin typeface="+mn-ea"/>
+              </a:rPr>
+              <a:t>库</a:t>
+            </a:r>
+            <a:endParaRPr lang="en-US" altLang="zh-CN" sz="2000" dirty="0" smtClean="0">
+              <a:latin typeface="+mn-ea"/>
+            </a:endParaRPr>
+          </a:p>
+          <a:p>
+            <a:endParaRPr lang="en-US" altLang="zh-CN" sz="2000" dirty="0">
+              <a:latin typeface="+mn-ea"/>
+            </a:endParaRPr>
+          </a:p>
+          <a:p>
+            <a:r>
+              <a:rPr lang="en-US" altLang="zh-CN" sz="2000" b="1" dirty="0" err="1" smtClean="0">
+                <a:latin typeface="+mn-ea"/>
+              </a:rPr>
+              <a:t>cpp-netlib</a:t>
+            </a:r>
+            <a:endParaRPr lang="en-US" altLang="zh-CN" sz="2000" b="1" dirty="0" smtClean="0">
+              <a:latin typeface="+mn-ea"/>
+            </a:endParaRPr>
+          </a:p>
+          <a:p>
             <a:r>
               <a:rPr lang="en-US" altLang="zh-CN" sz="2000" dirty="0">
                 <a:latin typeface="+mn-ea"/>
-              </a:rPr>
-              <a:t>C++</a:t>
-            </a:r>
-            <a:r>
-              <a:rPr lang="zh-CN" altLang="en-US" sz="2000" dirty="0" smtClean="0">
-                <a:latin typeface="+mn-ea"/>
-              </a:rPr>
-              <a:t>开发</a:t>
-            </a:r>
-            <a:r>
-              <a:rPr lang="en-US" altLang="zh-CN" sz="2000" dirty="0" smtClean="0">
-                <a:latin typeface="+mn-ea"/>
-              </a:rPr>
-              <a:t>Web Server</a:t>
-            </a:r>
-            <a:r>
-              <a:rPr lang="zh-CN" altLang="en-US" sz="2000" dirty="0" smtClean="0">
-                <a:latin typeface="+mn-ea"/>
-              </a:rPr>
-              <a:t>并不是个合理的选择，使用一些新的语言或者技术完成同样的任务应该更好（包括不限于</a:t>
-            </a:r>
-            <a:r>
-              <a:rPr lang="en-US" altLang="zh-CN" sz="2000" dirty="0" smtClean="0">
-                <a:latin typeface="+mn-ea"/>
-              </a:rPr>
-              <a:t>Python</a:t>
-            </a:r>
-            <a:r>
-              <a:rPr lang="zh-CN" altLang="en-US" sz="2000" dirty="0" smtClean="0">
-                <a:latin typeface="+mn-ea"/>
-              </a:rPr>
-              <a:t>、</a:t>
-            </a:r>
-            <a:r>
-              <a:rPr lang="en-US" altLang="zh-CN" sz="2000" dirty="0" smtClean="0">
-                <a:latin typeface="+mn-ea"/>
-              </a:rPr>
-              <a:t>Go</a:t>
-            </a:r>
-            <a:r>
-              <a:rPr lang="zh-CN" altLang="en-US" sz="2000" dirty="0" smtClean="0">
-                <a:latin typeface="+mn-ea"/>
-              </a:rPr>
-              <a:t>、</a:t>
-            </a:r>
-            <a:r>
-              <a:rPr lang="en-US" altLang="zh-CN" sz="2000" dirty="0" smtClean="0">
-                <a:latin typeface="+mn-ea"/>
-              </a:rPr>
-              <a:t>Node</a:t>
-            </a:r>
+                <a:hlinkClick r:id="rId4"/>
+              </a:rPr>
+              <a:t>https://</a:t>
+            </a:r>
+            <a:r>
+              <a:rPr lang="en-US" altLang="zh-CN" sz="2000" dirty="0" smtClean="0">
+                <a:latin typeface="+mn-ea"/>
+                <a:hlinkClick r:id="rId4"/>
+              </a:rPr>
+              <a:t>github.com/cpp-netlib/cpp-netlib</a:t>
+            </a:r>
+            <a:endParaRPr lang="en-US" altLang="zh-CN" sz="2000" dirty="0" smtClean="0">
+              <a:latin typeface="+mn-ea"/>
+            </a:endParaRPr>
+          </a:p>
+          <a:p>
             <a:r>
               <a:rPr lang="zh-CN" altLang="en-US" sz="2000" dirty="0">
                 <a:latin typeface="+mn-ea"/>
               </a:rPr>
-              <a:t>等等</a:t>
-            </a:r>
-            <a:r>
-              <a:rPr lang="zh-CN" altLang="en-US" sz="2000" dirty="0" smtClean="0">
-                <a:latin typeface="+mn-ea"/>
-              </a:rPr>
-              <a:t>）。</a:t>
-            </a:r>
-            <a:endParaRPr lang="en-US" altLang="zh-CN" sz="2000" dirty="0" smtClean="0">
-              <a:latin typeface="+mn-ea"/>
-            </a:endParaRPr>
-          </a:p>
-          <a:p>
-            <a:endParaRPr lang="en-US" altLang="zh-CN" sz="2000" dirty="0">
-              <a:latin typeface="+mn-ea"/>
-            </a:endParaRPr>
-          </a:p>
-          <a:p>
-            <a:r>
-              <a:rPr lang="zh-CN" altLang="en-US" sz="2000" dirty="0" smtClean="0">
-                <a:latin typeface="+mn-ea"/>
-              </a:rPr>
-              <a:t>最终选择</a:t>
-            </a:r>
-            <a:r>
-              <a:rPr lang="en-US" altLang="zh-CN" sz="2000" dirty="0" smtClean="0">
-                <a:latin typeface="+mn-ea"/>
-              </a:rPr>
-              <a:t>C++</a:t>
-            </a:r>
-            <a:r>
-              <a:rPr lang="zh-CN" altLang="en-US" sz="2000" dirty="0" smtClean="0">
-                <a:latin typeface="+mn-ea"/>
-              </a:rPr>
-              <a:t>的原因是考虑我们的团队的技术基因一直集中在</a:t>
-            </a:r>
-            <a:r>
-              <a:rPr lang="en-US" altLang="zh-CN" sz="2000" dirty="0" smtClean="0">
-                <a:latin typeface="+mn-ea"/>
-              </a:rPr>
-              <a:t>C++</a:t>
-            </a:r>
-            <a:r>
-              <a:rPr lang="zh-CN" altLang="en-US" sz="2000" dirty="0" smtClean="0">
-                <a:latin typeface="+mn-ea"/>
-              </a:rPr>
-              <a:t>上，后期出现诡异问题解决的成功率较高。</a:t>
+              <a:t>开</a:t>
+            </a:r>
+            <a:r>
+              <a:rPr lang="zh-CN" altLang="en-US" sz="2000" dirty="0" smtClean="0">
+                <a:latin typeface="+mn-ea"/>
+              </a:rPr>
+              <a:t>源项目 基于</a:t>
+            </a:r>
+            <a:r>
+              <a:rPr lang="en-US" altLang="zh-CN" sz="2000" dirty="0" smtClean="0">
+                <a:latin typeface="+mn-ea"/>
+              </a:rPr>
+              <a:t>C++11</a:t>
+            </a:r>
+            <a:r>
+              <a:rPr lang="zh-CN" altLang="en-US" sz="2000" dirty="0" smtClean="0">
+                <a:latin typeface="+mn-ea"/>
+              </a:rPr>
+              <a:t>标准与</a:t>
+            </a:r>
+            <a:r>
+              <a:rPr lang="en-US" altLang="zh-CN" sz="2000" dirty="0" smtClean="0">
+                <a:latin typeface="+mn-ea"/>
+              </a:rPr>
+              <a:t>boost</a:t>
+            </a:r>
+            <a:r>
+              <a:rPr lang="zh-CN" altLang="en-US" sz="2000" dirty="0" smtClean="0">
+                <a:latin typeface="+mn-ea"/>
+              </a:rPr>
+              <a:t>库</a:t>
             </a:r>
             <a:endParaRPr lang="zh-CN" altLang="en-US" sz="2000" dirty="0">
               <a:latin typeface="+mn-ea"/>
@@ -5218,7 +5293,7 @@
     </p:spTree>
     <p:extLst>
       <p:ext uri="{BB962C8B-B14F-4D97-AF65-F5344CB8AC3E}">
-        <p14:creationId xmlns:p14="http://schemas.microsoft.com/office/powerpoint/2010/main" val="3351976577"/>
+        <p14:creationId xmlns:p14="http://schemas.microsoft.com/office/powerpoint/2010/main" val="548952950"/>
       </p:ext>
     </p:extLst>
   </p:cSld>
@@ -5300,386 +5375,6 @@
         <p:spPr>
           <a:xfrm>
             <a:off x="899592" y="1556792"/>
-            <a:ext cx="7200800" cy="5016758"/>
-          </a:xfrm>
-          <a:prstGeom prst="rect">
-            <a:avLst/>
-          </a:prstGeom>
-          <a:noFill/>
-        </p:spPr>
-        <p:txBody>
-          <a:bodyPr wrap="square" rtlCol="0">
-            <a:spAutoFit/>
-          </a:bodyPr>
-          <a:lstStyle/>
-          <a:p>
-            <a:r>
-              <a:rPr lang="zh-CN" altLang="en-US" sz="2000" dirty="0" smtClean="0">
-                <a:latin typeface="+mn-ea"/>
-              </a:rPr>
-              <a:t>确定使用</a:t>
-            </a:r>
-            <a:r>
-              <a:rPr lang="en-US" altLang="zh-CN" sz="2000" dirty="0" smtClean="0">
-                <a:latin typeface="+mn-ea"/>
-              </a:rPr>
-              <a:t>C++</a:t>
-            </a:r>
-            <a:r>
-              <a:rPr lang="zh-CN" altLang="en-US" sz="2000" dirty="0" smtClean="0">
-                <a:latin typeface="+mn-ea"/>
-              </a:rPr>
-              <a:t>开发之后，我们第一想法是找个</a:t>
-            </a:r>
-            <a:r>
-              <a:rPr lang="en-US" altLang="zh-CN" sz="2000" dirty="0" smtClean="0">
-                <a:latin typeface="+mn-ea"/>
-              </a:rPr>
-              <a:t>C++</a:t>
-            </a:r>
-            <a:r>
-              <a:rPr lang="zh-CN" altLang="en-US" sz="2000" dirty="0" smtClean="0">
-                <a:latin typeface="+mn-ea"/>
-              </a:rPr>
-              <a:t>的</a:t>
-            </a:r>
-            <a:r>
-              <a:rPr lang="en-US" altLang="zh-CN" sz="2000" dirty="0" smtClean="0">
-                <a:latin typeface="+mn-ea"/>
-              </a:rPr>
-              <a:t>HTTP</a:t>
-            </a:r>
-            <a:r>
-              <a:rPr lang="zh-CN" altLang="en-US" sz="2000" dirty="0" smtClean="0">
-                <a:latin typeface="+mn-ea"/>
-              </a:rPr>
-              <a:t>基础库，而并不想自己完全实现，那样费时费力并且效果可能不好。</a:t>
-            </a:r>
-            <a:endParaRPr lang="en-US" altLang="zh-CN" sz="2000" dirty="0" smtClean="0">
-              <a:latin typeface="+mn-ea"/>
-            </a:endParaRPr>
-          </a:p>
-          <a:p>
-            <a:endParaRPr lang="en-US" altLang="zh-CN" sz="2000" dirty="0">
-              <a:latin typeface="+mn-ea"/>
-            </a:endParaRPr>
-          </a:p>
-          <a:p>
-            <a:r>
-              <a:rPr lang="zh-CN" altLang="en-US" sz="2000" dirty="0" smtClean="0">
-                <a:latin typeface="+mn-ea"/>
-              </a:rPr>
-              <a:t>能够选择的库并不多，调研之后有以下三个选择：</a:t>
-            </a:r>
-            <a:endParaRPr lang="en-US" altLang="zh-CN" sz="2000" dirty="0" smtClean="0">
-              <a:latin typeface="+mn-ea"/>
-            </a:endParaRPr>
-          </a:p>
-          <a:p>
-            <a:endParaRPr lang="en-US" altLang="zh-CN" sz="2000" dirty="0">
-              <a:latin typeface="+mn-ea"/>
-            </a:endParaRPr>
-          </a:p>
-          <a:p>
-            <a:r>
-              <a:rPr lang="en-US" altLang="zh-CN" sz="2000" b="1" dirty="0" err="1" smtClean="0">
-                <a:latin typeface="+mn-ea"/>
-              </a:rPr>
-              <a:t>Libmicrohttpd</a:t>
-            </a:r>
-            <a:r>
-              <a:rPr lang="en-US" altLang="zh-CN" sz="2000" dirty="0" smtClean="0">
-                <a:latin typeface="+mn-ea"/>
-              </a:rPr>
-              <a:t> </a:t>
-            </a:r>
-            <a:r>
-              <a:rPr lang="en-US" altLang="zh-CN" sz="2000" dirty="0" smtClean="0">
-                <a:latin typeface="+mn-ea"/>
-                <a:hlinkClick r:id="rId2"/>
-              </a:rPr>
-              <a:t>https</a:t>
-            </a:r>
-            <a:r>
-              <a:rPr lang="en-US" altLang="zh-CN" sz="2000" dirty="0">
-                <a:latin typeface="+mn-ea"/>
-                <a:hlinkClick r:id="rId2"/>
-              </a:rPr>
-              <a:t>://www.gnu.org/software/libmicrohttpd</a:t>
-            </a:r>
-            <a:r>
-              <a:rPr lang="en-US" altLang="zh-CN" sz="2000" dirty="0" smtClean="0">
-                <a:latin typeface="+mn-ea"/>
-                <a:hlinkClick r:id="rId2"/>
-              </a:rPr>
-              <a:t>/</a:t>
-            </a:r>
-            <a:endParaRPr lang="en-US" altLang="zh-CN" sz="2000" dirty="0" smtClean="0">
-              <a:latin typeface="+mn-ea"/>
-            </a:endParaRPr>
-          </a:p>
-          <a:p>
-            <a:r>
-              <a:rPr lang="en-US" altLang="zh-CN" sz="2000" dirty="0" smtClean="0">
-                <a:latin typeface="+mn-ea"/>
-              </a:rPr>
-              <a:t>GNU</a:t>
-            </a:r>
-            <a:r>
-              <a:rPr lang="zh-CN" altLang="en-US" sz="2000" dirty="0" smtClean="0">
-                <a:latin typeface="+mn-ea"/>
-              </a:rPr>
-              <a:t>项目 </a:t>
-            </a:r>
-            <a:r>
-              <a:rPr lang="en-US" altLang="zh-CN" sz="2000" dirty="0" smtClean="0">
-                <a:latin typeface="+mn-ea"/>
-              </a:rPr>
-              <a:t>C</a:t>
-            </a:r>
-            <a:r>
-              <a:rPr lang="zh-CN" altLang="en-US" sz="2000" dirty="0" smtClean="0">
-                <a:latin typeface="+mn-ea"/>
-              </a:rPr>
-              <a:t>语言 精简小巧 久经考验</a:t>
-            </a:r>
-            <a:endParaRPr lang="en-US" altLang="zh-CN" sz="2000" dirty="0" smtClean="0">
-              <a:latin typeface="+mn-ea"/>
-            </a:endParaRPr>
-          </a:p>
-          <a:p>
-            <a:endParaRPr lang="en-US" altLang="zh-CN" sz="2000" dirty="0">
-              <a:latin typeface="+mn-ea"/>
-            </a:endParaRPr>
-          </a:p>
-          <a:p>
-            <a:r>
-              <a:rPr lang="en-US" altLang="zh-CN" sz="2000" b="1" dirty="0" err="1" smtClean="0">
-                <a:latin typeface="+mn-ea"/>
-              </a:rPr>
-              <a:t>Proxygen</a:t>
-            </a:r>
-            <a:endParaRPr lang="en-US" altLang="zh-CN" sz="2000" b="1" dirty="0" smtClean="0">
-              <a:latin typeface="+mn-ea"/>
-            </a:endParaRPr>
-          </a:p>
-          <a:p>
-            <a:r>
-              <a:rPr lang="en-US" altLang="zh-CN" sz="2000" dirty="0">
-                <a:latin typeface="+mn-ea"/>
-                <a:hlinkClick r:id="rId3"/>
-              </a:rPr>
-              <a:t>https://</a:t>
-            </a:r>
-            <a:r>
-              <a:rPr lang="en-US" altLang="zh-CN" sz="2000" dirty="0" smtClean="0">
-                <a:latin typeface="+mn-ea"/>
-                <a:hlinkClick r:id="rId3"/>
-              </a:rPr>
-              <a:t>github.com/facebook/proxygen</a:t>
-            </a:r>
-            <a:endParaRPr lang="en-US" altLang="zh-CN" sz="2000" dirty="0" smtClean="0">
-              <a:latin typeface="+mn-ea"/>
-            </a:endParaRPr>
-          </a:p>
-          <a:p>
-            <a:r>
-              <a:rPr lang="en-US" altLang="zh-CN" sz="2000" dirty="0" smtClean="0">
-                <a:latin typeface="+mn-ea"/>
-              </a:rPr>
-              <a:t>Facebook</a:t>
-            </a:r>
-            <a:r>
-              <a:rPr lang="zh-CN" altLang="en-US" sz="2000" dirty="0" smtClean="0">
-                <a:latin typeface="+mn-ea"/>
-              </a:rPr>
-              <a:t>开源项目 功能丰富 依赖庞大的</a:t>
-            </a:r>
-            <a:r>
-              <a:rPr lang="en-US" altLang="zh-CN" sz="2000" dirty="0" smtClean="0">
-                <a:latin typeface="+mn-ea"/>
-              </a:rPr>
-              <a:t>Facebook</a:t>
-            </a:r>
-            <a:r>
-              <a:rPr lang="zh-CN" altLang="en-US" sz="2000" dirty="0">
-                <a:latin typeface="+mn-ea"/>
-              </a:rPr>
-              <a:t>类</a:t>
-            </a:r>
-            <a:r>
-              <a:rPr lang="zh-CN" altLang="en-US" sz="2000" dirty="0" smtClean="0">
-                <a:latin typeface="+mn-ea"/>
-              </a:rPr>
-              <a:t>库</a:t>
-            </a:r>
-            <a:endParaRPr lang="en-US" altLang="zh-CN" sz="2000" dirty="0" smtClean="0">
-              <a:latin typeface="+mn-ea"/>
-            </a:endParaRPr>
-          </a:p>
-          <a:p>
-            <a:endParaRPr lang="en-US" altLang="zh-CN" sz="2000" dirty="0">
-              <a:latin typeface="+mn-ea"/>
-            </a:endParaRPr>
-          </a:p>
-          <a:p>
-            <a:r>
-              <a:rPr lang="en-US" altLang="zh-CN" sz="2000" b="1" dirty="0" err="1" smtClean="0">
-                <a:latin typeface="+mn-ea"/>
-              </a:rPr>
-              <a:t>cpp-netlib</a:t>
-            </a:r>
-            <a:endParaRPr lang="en-US" altLang="zh-CN" sz="2000" b="1" dirty="0" smtClean="0">
-              <a:latin typeface="+mn-ea"/>
-            </a:endParaRPr>
-          </a:p>
-          <a:p>
-            <a:r>
-              <a:rPr lang="en-US" altLang="zh-CN" sz="2000" dirty="0">
-                <a:latin typeface="+mn-ea"/>
-                <a:hlinkClick r:id="rId4"/>
-              </a:rPr>
-              <a:t>https://</a:t>
-            </a:r>
-            <a:r>
-              <a:rPr lang="en-US" altLang="zh-CN" sz="2000" dirty="0" smtClean="0">
-                <a:latin typeface="+mn-ea"/>
-                <a:hlinkClick r:id="rId4"/>
-              </a:rPr>
-              <a:t>github.com/cpp-netlib/cpp-netlib</a:t>
-            </a:r>
-            <a:endParaRPr lang="en-US" altLang="zh-CN" sz="2000" dirty="0" smtClean="0">
-              <a:latin typeface="+mn-ea"/>
-            </a:endParaRPr>
-          </a:p>
-          <a:p>
-            <a:r>
-              <a:rPr lang="zh-CN" altLang="en-US" sz="2000" dirty="0">
-                <a:latin typeface="+mn-ea"/>
-              </a:rPr>
-              <a:t>开</a:t>
-            </a:r>
-            <a:r>
-              <a:rPr lang="zh-CN" altLang="en-US" sz="2000" dirty="0" smtClean="0">
-                <a:latin typeface="+mn-ea"/>
-              </a:rPr>
-              <a:t>源项目 基于</a:t>
-            </a:r>
-            <a:r>
-              <a:rPr lang="en-US" altLang="zh-CN" sz="2000" dirty="0" smtClean="0">
-                <a:latin typeface="+mn-ea"/>
-              </a:rPr>
-              <a:t>C++11</a:t>
-            </a:r>
-            <a:r>
-              <a:rPr lang="zh-CN" altLang="en-US" sz="2000" dirty="0" smtClean="0">
-                <a:latin typeface="+mn-ea"/>
-              </a:rPr>
-              <a:t>标准与</a:t>
-            </a:r>
-            <a:r>
-              <a:rPr lang="en-US" altLang="zh-CN" sz="2000" dirty="0" smtClean="0">
-                <a:latin typeface="+mn-ea"/>
-              </a:rPr>
-              <a:t>boost</a:t>
-            </a:r>
-            <a:r>
-              <a:rPr lang="zh-CN" altLang="en-US" sz="2000" dirty="0" smtClean="0">
-                <a:latin typeface="+mn-ea"/>
-              </a:rPr>
-              <a:t>库</a:t>
-            </a:r>
-            <a:endParaRPr lang="zh-CN" altLang="en-US" sz="2000" dirty="0">
-              <a:latin typeface="+mn-ea"/>
-            </a:endParaRPr>
-          </a:p>
-        </p:txBody>
-      </p:sp>
-    </p:spTree>
-    <p:extLst>
-      <p:ext uri="{BB962C8B-B14F-4D97-AF65-F5344CB8AC3E}">
-        <p14:creationId xmlns:p14="http://schemas.microsoft.com/office/powerpoint/2010/main" val="548952950"/>
-      </p:ext>
-    </p:extLst>
-  </p:cSld>
-  <p:clrMapOvr>
-    <a:masterClrMapping/>
-  </p:clrMapOvr>
-</p:sld>
-</file>
-
-<file path=ppt/slides/slide7.xml><?xml version="1.0" encoding="utf-8"?>
-<p:sld xmlns:a="http://schemas.openxmlformats.org/drawingml/2006/main" xmlns:r="http://schemas.openxmlformats.org/officeDocument/2006/relationships" xmlns:p="http://schemas.openxmlformats.org/presentationml/2006/main">
-  <p:cSld>
-    <p:spTree>
-      <p:nvGrpSpPr>
-        <p:cNvPr id="1" name=""/>
-        <p:cNvGrpSpPr/>
-        <p:nvPr/>
-      </p:nvGrpSpPr>
-      <p:grpSpPr>
-        <a:xfrm>
-          <a:off x="0" y="0"/>
-          <a:ext cx="0" cy="0"/>
-          <a:chOff x="0" y="0"/>
-          <a:chExt cx="0" cy="0"/>
-        </a:xfrm>
-      </p:grpSpPr>
-      <p:sp>
-        <p:nvSpPr>
-          <p:cNvPr id="5" name="TextBox 4"/>
-          <p:cNvSpPr txBox="1"/>
-          <p:nvPr/>
-        </p:nvSpPr>
-        <p:spPr>
-          <a:xfrm>
-            <a:off x="899592" y="692696"/>
-            <a:ext cx="7056784" cy="461665"/>
-          </a:xfrm>
-          <a:prstGeom prst="rect">
-            <a:avLst/>
-          </a:prstGeom>
-          <a:noFill/>
-        </p:spPr>
-        <p:txBody>
-          <a:bodyPr wrap="square" rtlCol="0">
-            <a:spAutoFit/>
-          </a:bodyPr>
-          <a:lstStyle/>
-          <a:p>
-            <a:r>
-              <a:rPr lang="zh-CN" altLang="en-US" sz="2400" b="1" dirty="0" smtClean="0">
-                <a:latin typeface="+mn-ea"/>
-              </a:rPr>
-              <a:t>为什么使用</a:t>
-            </a:r>
-            <a:r>
-              <a:rPr lang="en-US" altLang="zh-CN" sz="2400" b="1" dirty="0" smtClean="0">
-                <a:latin typeface="+mn-ea"/>
-              </a:rPr>
-              <a:t>cpp-netlib</a:t>
-            </a:r>
-            <a:r>
-              <a:rPr lang="zh-CN" altLang="en-US" sz="2400" b="1" dirty="0" smtClean="0">
-                <a:latin typeface="+mn-ea"/>
-              </a:rPr>
-              <a:t>库</a:t>
-            </a:r>
-            <a:endParaRPr lang="zh-CN" altLang="en-US" sz="2400" b="1" dirty="0">
-              <a:latin typeface="+mn-ea"/>
-            </a:endParaRPr>
-          </a:p>
-        </p:txBody>
-      </p:sp>
-      <p:sp>
-        <p:nvSpPr>
-          <p:cNvPr id="6" name="TextBox 5"/>
-          <p:cNvSpPr txBox="1"/>
-          <p:nvPr/>
-        </p:nvSpPr>
-        <p:spPr>
-          <a:xfrm>
-            <a:off x="899592" y="1556792"/>
             <a:ext cx="7200800" cy="3785652"/>
           </a:xfrm>
           <a:prstGeom prst="rect">
@@ -5762,13 +5457,7 @@
               <a:rPr lang="en-US" altLang="zh-CN" sz="2000" dirty="0" smtClean="0">
                 <a:latin typeface="+mn-ea"/>
               </a:rPr>
-              <a:t>2.</a:t>
-            </a:r>
-            <a:r>
-              <a:rPr lang="en-US" altLang="zh-CN" sz="2000" dirty="0" smtClean="0">
-                <a:latin typeface="+mn-ea"/>
-              </a:rPr>
-              <a:t>Proxygen</a:t>
+              <a:t>2.Proxygen</a:t>
             </a:r>
             <a:r>
               <a:rPr lang="zh-CN" altLang="en-US" sz="2000" dirty="0" smtClean="0">
@@ -5857,7 +5546,7 @@
 </p:sld>
 </file>
 
-<file path=ppt/slides/slide8.xml><?xml version="1.0" encoding="utf-8"?>
+<file path=ppt/slides/slide7.xml><?xml version="1.0" encoding="utf-8"?>
 <p:sld xmlns:a="http://schemas.openxmlformats.org/drawingml/2006/main" xmlns:r="http://schemas.openxmlformats.org/officeDocument/2006/relationships" xmlns:p="http://schemas.openxmlformats.org/presentationml/2006/main">
   <p:cSld>
     <p:spTree>
@@ -6147,7 +5836,7 @@
 </p:sld>
 </file>
 
-<file path=ppt/slides/slide9.xml><?xml version="1.0" encoding="utf-8"?>
+<file path=ppt/slides/slide8.xml><?xml version="1.0" encoding="utf-8"?>
 <p:sld xmlns:a="http://schemas.openxmlformats.org/drawingml/2006/main" xmlns:r="http://schemas.openxmlformats.org/officeDocument/2006/relationships" xmlns:p="http://schemas.openxmlformats.org/presentationml/2006/main">
   <p:cSld>
     <p:spTree>
@@ -6262,6 +5951,246 @@
     <p:extLst>
       <p:ext uri="{BB962C8B-B14F-4D97-AF65-F5344CB8AC3E}">
         <p14:creationId xmlns:p14="http://schemas.microsoft.com/office/powerpoint/2010/main" val="4260860034"/>
+      </p:ext>
+    </p:extLst>
+  </p:cSld>
+  <p:clrMapOvr>
+    <a:masterClrMapping/>
+  </p:clrMapOvr>
+</p:sld>
+</file>
+
+<file path=ppt/slides/slide9.xml><?xml version="1.0" encoding="utf-8"?>
+<p:sld xmlns:a="http://schemas.openxmlformats.org/drawingml/2006/main" xmlns:r="http://schemas.openxmlformats.org/officeDocument/2006/relationships" xmlns:p="http://schemas.openxmlformats.org/presentationml/2006/main">
+  <p:cSld>
+    <p:spTree>
+      <p:nvGrpSpPr>
+        <p:cNvPr id="1" name=""/>
+        <p:cNvGrpSpPr/>
+        <p:nvPr/>
+      </p:nvGrpSpPr>
+      <p:grpSpPr>
+        <a:xfrm>
+          <a:off x="0" y="0"/>
+          <a:ext cx="0" cy="0"/>
+          <a:chOff x="0" y="0"/>
+          <a:chExt cx="0" cy="0"/>
+        </a:xfrm>
+      </p:grpSpPr>
+      <p:sp>
+        <p:nvSpPr>
+          <p:cNvPr id="5" name="TextBox 4"/>
+          <p:cNvSpPr txBox="1"/>
+          <p:nvPr/>
+        </p:nvSpPr>
+        <p:spPr>
+          <a:xfrm>
+            <a:off x="899592" y="692696"/>
+            <a:ext cx="7056784" cy="461665"/>
+          </a:xfrm>
+          <a:prstGeom prst="rect">
+            <a:avLst/>
+          </a:prstGeom>
+          <a:noFill/>
+        </p:spPr>
+        <p:txBody>
+          <a:bodyPr wrap="square" rtlCol="0">
+            <a:spAutoFit/>
+          </a:bodyPr>
+          <a:lstStyle/>
+          <a:p>
+            <a:r>
+              <a:rPr lang="zh-CN" altLang="en-US" sz="2400" b="1" dirty="0" smtClean="0">
+                <a:latin typeface="+mn-ea"/>
+              </a:rPr>
+              <a:t>从线程执行理解</a:t>
+            </a:r>
+            <a:r>
+              <a:rPr lang="en-US" altLang="zh-CN" sz="2400" b="1" dirty="0" err="1" smtClean="0">
+                <a:latin typeface="+mn-ea"/>
+              </a:rPr>
+              <a:t>HttpAgent</a:t>
+            </a:r>
+            <a:r>
+              <a:rPr lang="zh-CN" altLang="en-US" sz="2400" b="1" dirty="0" smtClean="0">
+                <a:latin typeface="+mn-ea"/>
+              </a:rPr>
+              <a:t>（</a:t>
+            </a:r>
+            <a:r>
+              <a:rPr lang="en-US" altLang="zh-CN" sz="2400" b="1" dirty="0" smtClean="0">
+                <a:latin typeface="+mn-ea"/>
+              </a:rPr>
+              <a:t>Routine</a:t>
+            </a:r>
+            <a:r>
+              <a:rPr lang="zh-CN" altLang="en-US" sz="2400" b="1" dirty="0" smtClean="0">
+                <a:latin typeface="+mn-ea"/>
+              </a:rPr>
+              <a:t>部分）</a:t>
+            </a:r>
+            <a:endParaRPr lang="zh-CN" altLang="en-US" sz="2400" b="1" dirty="0">
+              <a:latin typeface="+mn-ea"/>
+            </a:endParaRPr>
+          </a:p>
+        </p:txBody>
+      </p:sp>
+      <p:sp>
+        <p:nvSpPr>
+          <p:cNvPr id="6" name="TextBox 5"/>
+          <p:cNvSpPr txBox="1"/>
+          <p:nvPr/>
+        </p:nvSpPr>
+        <p:spPr>
+          <a:xfrm>
+            <a:off x="899592" y="1556792"/>
+            <a:ext cx="7200800" cy="1015663"/>
+          </a:xfrm>
+          <a:prstGeom prst="rect">
+            <a:avLst/>
+          </a:prstGeom>
+          <a:noFill/>
+        </p:spPr>
+        <p:txBody>
+          <a:bodyPr wrap="square" rtlCol="0">
+            <a:spAutoFit/>
+          </a:bodyPr>
+          <a:lstStyle/>
+          <a:p>
+            <a:r>
+              <a:rPr lang="zh-CN" altLang="en-US" sz="2000" dirty="0" smtClean="0">
+                <a:latin typeface="+mn-ea"/>
+              </a:rPr>
+              <a:t>逻辑</a:t>
+            </a:r>
+            <a:r>
+              <a:rPr lang="en-US" altLang="zh-CN" sz="2000" dirty="0" smtClean="0">
+                <a:latin typeface="+mn-ea"/>
+              </a:rPr>
+              <a:t>Routine</a:t>
+            </a:r>
+            <a:r>
+              <a:rPr lang="zh-CN" altLang="en-US" sz="2000" dirty="0" smtClean="0">
+                <a:latin typeface="+mn-ea"/>
+              </a:rPr>
+              <a:t>与</a:t>
+            </a:r>
+            <a:r>
+              <a:rPr lang="en-US" altLang="zh-CN" sz="2000" dirty="0" err="1" smtClean="0">
+                <a:latin typeface="+mn-ea"/>
+              </a:rPr>
+              <a:t>GameServer</a:t>
+            </a:r>
+            <a:r>
+              <a:rPr lang="zh-CN" altLang="en-US" sz="2000" dirty="0" smtClean="0">
+                <a:latin typeface="+mn-ea"/>
+              </a:rPr>
+              <a:t>一致，以</a:t>
+            </a:r>
+            <a:r>
+              <a:rPr lang="en-US" altLang="zh-CN" sz="2000" dirty="0" smtClean="0">
+                <a:latin typeface="+mn-ea"/>
+              </a:rPr>
+              <a:t>Solar</a:t>
+            </a:r>
+            <a:r>
+              <a:rPr lang="zh-CN" altLang="en-US" sz="2000" dirty="0" smtClean="0">
+                <a:latin typeface="+mn-ea"/>
+              </a:rPr>
+              <a:t>库为基础</a:t>
+            </a:r>
+            <a:endParaRPr lang="en-US" altLang="zh-CN" sz="2000" dirty="0" smtClean="0">
+              <a:latin typeface="+mn-ea"/>
+            </a:endParaRPr>
+          </a:p>
+          <a:p>
+            <a:endParaRPr lang="en-US" altLang="zh-CN" sz="2000" dirty="0">
+              <a:latin typeface="+mn-ea"/>
+            </a:endParaRPr>
+          </a:p>
+          <a:p>
+            <a:r>
+              <a:rPr lang="zh-CN" altLang="en-US" sz="2000" dirty="0" smtClean="0">
+                <a:latin typeface="+mn-ea"/>
+              </a:rPr>
+              <a:t>使用</a:t>
+            </a:r>
+            <a:r>
+              <a:rPr lang="en-US" altLang="zh-CN" sz="2000" dirty="0" smtClean="0">
+                <a:latin typeface="+mn-ea"/>
+              </a:rPr>
+              <a:t>Solar</a:t>
+            </a:r>
+            <a:r>
+              <a:rPr lang="zh-CN" altLang="en-US" sz="2000" dirty="0" smtClean="0">
+                <a:latin typeface="+mn-ea"/>
+              </a:rPr>
+              <a:t>库提供的线程调度机制</a:t>
+            </a:r>
+            <a:endParaRPr lang="en-US" altLang="zh-CN" sz="2000" dirty="0" smtClean="0">
+              <a:latin typeface="+mn-ea"/>
+            </a:endParaRPr>
+          </a:p>
+        </p:txBody>
+      </p:sp>
+      <p:pic>
+        <p:nvPicPr>
+          <p:cNvPr id="2053" name="Picture 5"/>
+          <p:cNvPicPr>
+            <a:picLocks noChangeAspect="1" noChangeArrowheads="1"/>
+          </p:cNvPicPr>
+          <p:nvPr/>
+        </p:nvPicPr>
+        <p:blipFill>
+          <a:blip r:embed="rId2">
+            <a:extLst>
+              <a:ext uri="{28A0092B-C50C-407E-A947-70E740481C1C}">
+                <a14:useLocalDpi xmlns:a14="http://schemas.microsoft.com/office/drawing/2010/main" val="0"/>
+              </a:ext>
+            </a:extLst>
+          </a:blip>
+          <a:srcRect/>
+          <a:stretch>
+            <a:fillRect/>
+          </a:stretch>
+        </p:blipFill>
+        <p:spPr bwMode="auto">
+          <a:xfrm>
+            <a:off x="1650675" y="3284984"/>
+            <a:ext cx="5698633" cy="2520280"/>
+          </a:xfrm>
+          <a:prstGeom prst="rect">
+            <a:avLst/>
+          </a:prstGeom>
+          <a:noFill/>
+          <a:ln>
+            <a:noFill/>
+          </a:ln>
+          <a:extLst>
+            <a:ext uri="{909E8E84-426E-40DD-AFC4-6F175D3DCCD1}">
+              <a14:hiddenFill xmlns:a14="http://schemas.microsoft.com/office/drawing/2010/main">
+                <a:solidFill>
+                  <a:schemeClr val="accent1"/>
+                </a:solidFill>
+              </a14:hiddenFill>
+            </a:ext>
+            <a:ext uri="{91240B29-F687-4F45-9708-019B960494DF}">
+              <a14:hiddenLine xmlns:a14="http://schemas.microsoft.com/office/drawing/2010/main" w="9525">
+                <a:solidFill>
+                  <a:schemeClr val="tx1"/>
+                </a:solidFill>
+                <a:miter lim="800000"/>
+                <a:headEnd/>
+                <a:tailEnd/>
+              </a14:hiddenLine>
+            </a:ext>
+          </a:extLst>
+        </p:spPr>
+      </p:pic>
+    </p:spTree>
+    <p:extLst>
+      <p:ext uri="{BB962C8B-B14F-4D97-AF65-F5344CB8AC3E}">
+        <p14:creationId xmlns:p14="http://schemas.microsoft.com/office/powerpoint/2010/main" val="2881417195"/>
       </p:ext>
     </p:extLst>
   </p:cSld>
